--- a/assets/tactile_image_files/0025-passive_continental_margin/0025-passive_continental_margin.pptx
+++ b/assets/tactile_image_files/0025-passive_continental_margin/0025-passive_continental_margin.pptx
@@ -198,7 +198,7 @@
           </a:lstStyle>
           <a:p>
             <a:fld id="{DC880F74-5F87-E94E-8AEF-72C270124CC0}" type="datetimeFigureOut">
-              <a:t>7/23/20</a:t>
+              <a:t>1/8/21</a:t>
             </a:fld>
             <a:endParaRPr lang="en-US"/>
           </a:p>
@@ -603,7 +603,7 @@
           <a:p>
             <a:fld id="{E796F801-3BB8-A247-923B-F07F1B58D38A}" type="datetimeFigureOut">
               <a:rPr lang="en-US" smtClean="0"/>
-              <a:t>7/23/20</a:t>
+              <a:t>1/8/21</a:t>
             </a:fld>
             <a:endParaRPr lang="en-US"/>
           </a:p>
@@ -783,7 +783,7 @@
           <a:p>
             <a:fld id="{E796F801-3BB8-A247-923B-F07F1B58D38A}" type="datetimeFigureOut">
               <a:rPr lang="en-US" smtClean="0"/>
-              <a:t>7/23/20</a:t>
+              <a:t>1/8/21</a:t>
             </a:fld>
             <a:endParaRPr lang="en-US"/>
           </a:p>
@@ -953,7 +953,7 @@
           <a:p>
             <a:fld id="{E796F801-3BB8-A247-923B-F07F1B58D38A}" type="datetimeFigureOut">
               <a:rPr lang="en-US" smtClean="0"/>
-              <a:t>7/23/20</a:t>
+              <a:t>1/8/21</a:t>
             </a:fld>
             <a:endParaRPr lang="en-US"/>
           </a:p>
@@ -1197,7 +1197,7 @@
           <a:p>
             <a:fld id="{E796F801-3BB8-A247-923B-F07F1B58D38A}" type="datetimeFigureOut">
               <a:rPr lang="en-US" smtClean="0"/>
-              <a:t>7/23/20</a:t>
+              <a:t>1/8/21</a:t>
             </a:fld>
             <a:endParaRPr lang="en-US"/>
           </a:p>
@@ -1429,7 +1429,7 @@
           <a:p>
             <a:fld id="{E796F801-3BB8-A247-923B-F07F1B58D38A}" type="datetimeFigureOut">
               <a:rPr lang="en-US" smtClean="0"/>
-              <a:t>7/23/20</a:t>
+              <a:t>1/8/21</a:t>
             </a:fld>
             <a:endParaRPr lang="en-US"/>
           </a:p>
@@ -1796,7 +1796,7 @@
           <a:p>
             <a:fld id="{E796F801-3BB8-A247-923B-F07F1B58D38A}" type="datetimeFigureOut">
               <a:rPr lang="en-US" smtClean="0"/>
-              <a:t>7/23/20</a:t>
+              <a:t>1/8/21</a:t>
             </a:fld>
             <a:endParaRPr lang="en-US"/>
           </a:p>
@@ -1914,7 +1914,7 @@
           <a:p>
             <a:fld id="{E796F801-3BB8-A247-923B-F07F1B58D38A}" type="datetimeFigureOut">
               <a:rPr lang="en-US" smtClean="0"/>
-              <a:t>7/23/20</a:t>
+              <a:t>1/8/21</a:t>
             </a:fld>
             <a:endParaRPr lang="en-US"/>
           </a:p>
@@ -2009,7 +2009,7 @@
           <a:p>
             <a:fld id="{E796F801-3BB8-A247-923B-F07F1B58D38A}" type="datetimeFigureOut">
               <a:rPr lang="en-US" smtClean="0"/>
-              <a:t>7/23/20</a:t>
+              <a:t>1/8/21</a:t>
             </a:fld>
             <a:endParaRPr lang="en-US"/>
           </a:p>
@@ -2286,7 +2286,7 @@
           <a:p>
             <a:fld id="{E796F801-3BB8-A247-923B-F07F1B58D38A}" type="datetimeFigureOut">
               <a:rPr lang="en-US" smtClean="0"/>
-              <a:t>7/23/20</a:t>
+              <a:t>1/8/21</a:t>
             </a:fld>
             <a:endParaRPr lang="en-US"/>
           </a:p>
@@ -2543,7 +2543,7 @@
           <a:p>
             <a:fld id="{E796F801-3BB8-A247-923B-F07F1B58D38A}" type="datetimeFigureOut">
               <a:rPr lang="en-US" smtClean="0"/>
-              <a:t>7/23/20</a:t>
+              <a:t>1/8/21</a:t>
             </a:fld>
             <a:endParaRPr lang="en-US"/>
           </a:p>
@@ -2756,7 +2756,7 @@
           <a:p>
             <a:fld id="{E796F801-3BB8-A247-923B-F07F1B58D38A}" type="datetimeFigureOut">
               <a:rPr lang="en-US" smtClean="0"/>
-              <a:t>7/23/20</a:t>
+              <a:t>1/8/21</a:t>
             </a:fld>
             <a:endParaRPr lang="en-US"/>
           </a:p>
@@ -3546,51 +3546,6 @@
           </a:fontRef>
         </p:style>
       </p:cxnSp>
-      <p:cxnSp>
-        <p:nvCxnSpPr>
-          <p:cNvPr id="51" name="Straight Arrow Connector 50">
-            <a:extLst>
-              <a:ext uri="{FF2B5EF4-FFF2-40B4-BE49-F238E27FC236}">
-                <a16:creationId xmlns:a16="http://schemas.microsoft.com/office/drawing/2014/main" id="{3A8B04E1-1F11-DC40-AE0D-E305CECE6191}"/>
-              </a:ext>
-            </a:extLst>
-          </p:cNvPr>
-          <p:cNvCxnSpPr>
-            <a:cxnSpLocks/>
-          </p:cNvCxnSpPr>
-          <p:nvPr/>
-        </p:nvCxnSpPr>
-        <p:spPr>
-          <a:xfrm flipH="1">
-            <a:off x="7166345" y="1796902"/>
-            <a:ext cx="340241" cy="669852"/>
-          </a:xfrm>
-          <a:prstGeom prst="straightConnector1">
-            <a:avLst/>
-          </a:prstGeom>
-          <a:ln w="22225">
-            <a:solidFill>
-              <a:schemeClr val="tx1"/>
-            </a:solidFill>
-            <a:headEnd type="none" w="lg" len="lg"/>
-            <a:tailEnd type="triangle" w="lg" len="lg"/>
-          </a:ln>
-        </p:spPr>
-        <p:style>
-          <a:lnRef idx="1">
-            <a:schemeClr val="accent1"/>
-          </a:lnRef>
-          <a:fillRef idx="0">
-            <a:schemeClr val="accent1"/>
-          </a:fillRef>
-          <a:effectRef idx="0">
-            <a:schemeClr val="accent1"/>
-          </a:effectRef>
-          <a:fontRef idx="minor">
-            <a:schemeClr val="tx1"/>
-          </a:fontRef>
-        </p:style>
-      </p:cxnSp>
       <p:sp>
         <p:nvSpPr>
           <p:cNvPr id="54" name="Left Brace 53">
@@ -3703,171 +3658,6 @@
       </p:sp>
       <p:sp>
         <p:nvSpPr>
-          <p:cNvPr id="61" name="Freeform 60">
-            <a:extLst>
-              <a:ext uri="{FF2B5EF4-FFF2-40B4-BE49-F238E27FC236}">
-                <a16:creationId xmlns:a16="http://schemas.microsoft.com/office/drawing/2014/main" id="{215CE15B-38BF-6441-AADB-02FBE3305251}"/>
-              </a:ext>
-            </a:extLst>
-          </p:cNvPr>
-          <p:cNvSpPr/>
-          <p:nvPr/>
-        </p:nvSpPr>
-        <p:spPr>
-          <a:xfrm>
-            <a:off x="6698512" y="2456121"/>
-            <a:ext cx="1190846" cy="404037"/>
-          </a:xfrm>
-          <a:custGeom>
-            <a:avLst/>
-            <a:gdLst>
-              <a:gd name="connsiteX0" fmla="*/ 0 w 1190846"/>
-              <a:gd name="connsiteY0" fmla="*/ 10632 h 404037"/>
-              <a:gd name="connsiteX1" fmla="*/ 0 w 1190846"/>
-              <a:gd name="connsiteY1" fmla="*/ 10632 h 404037"/>
-              <a:gd name="connsiteX2" fmla="*/ 21265 w 1190846"/>
-              <a:gd name="connsiteY2" fmla="*/ 404037 h 404037"/>
-              <a:gd name="connsiteX3" fmla="*/ 329609 w 1190846"/>
-              <a:gd name="connsiteY3" fmla="*/ 393405 h 404037"/>
-              <a:gd name="connsiteX4" fmla="*/ 606055 w 1190846"/>
-              <a:gd name="connsiteY4" fmla="*/ 361507 h 404037"/>
-              <a:gd name="connsiteX5" fmla="*/ 956930 w 1190846"/>
-              <a:gd name="connsiteY5" fmla="*/ 393405 h 404037"/>
-              <a:gd name="connsiteX6" fmla="*/ 1190846 w 1190846"/>
-              <a:gd name="connsiteY6" fmla="*/ 393405 h 404037"/>
-              <a:gd name="connsiteX7" fmla="*/ 1180214 w 1190846"/>
-              <a:gd name="connsiteY7" fmla="*/ 31898 h 404037"/>
-              <a:gd name="connsiteX8" fmla="*/ 829339 w 1190846"/>
-              <a:gd name="connsiteY8" fmla="*/ 31898 h 404037"/>
-              <a:gd name="connsiteX9" fmla="*/ 404037 w 1190846"/>
-              <a:gd name="connsiteY9" fmla="*/ 21265 h 404037"/>
-              <a:gd name="connsiteX10" fmla="*/ 212651 w 1190846"/>
-              <a:gd name="connsiteY10" fmla="*/ 0 h 404037"/>
-              <a:gd name="connsiteX11" fmla="*/ 0 w 1190846"/>
-              <a:gd name="connsiteY11" fmla="*/ 10632 h 404037"/>
-            </a:gdLst>
-            <a:ahLst/>
-            <a:cxnLst>
-              <a:cxn ang="0">
-                <a:pos x="connsiteX0" y="connsiteY0"/>
-              </a:cxn>
-              <a:cxn ang="0">
-                <a:pos x="connsiteX1" y="connsiteY1"/>
-              </a:cxn>
-              <a:cxn ang="0">
-                <a:pos x="connsiteX2" y="connsiteY2"/>
-              </a:cxn>
-              <a:cxn ang="0">
-                <a:pos x="connsiteX3" y="connsiteY3"/>
-              </a:cxn>
-              <a:cxn ang="0">
-                <a:pos x="connsiteX4" y="connsiteY4"/>
-              </a:cxn>
-              <a:cxn ang="0">
-                <a:pos x="connsiteX5" y="connsiteY5"/>
-              </a:cxn>
-              <a:cxn ang="0">
-                <a:pos x="connsiteX6" y="connsiteY6"/>
-              </a:cxn>
-              <a:cxn ang="0">
-                <a:pos x="connsiteX7" y="connsiteY7"/>
-              </a:cxn>
-              <a:cxn ang="0">
-                <a:pos x="connsiteX8" y="connsiteY8"/>
-              </a:cxn>
-              <a:cxn ang="0">
-                <a:pos x="connsiteX9" y="connsiteY9"/>
-              </a:cxn>
-              <a:cxn ang="0">
-                <a:pos x="connsiteX10" y="connsiteY10"/>
-              </a:cxn>
-              <a:cxn ang="0">
-                <a:pos x="connsiteX11" y="connsiteY11"/>
-              </a:cxn>
-            </a:cxnLst>
-            <a:rect l="l" t="t" r="r" b="b"/>
-            <a:pathLst>
-              <a:path w="1190846" h="404037">
-                <a:moveTo>
-                  <a:pt x="0" y="10632"/>
-                </a:moveTo>
-                <a:lnTo>
-                  <a:pt x="0" y="10632"/>
-                </a:lnTo>
-                <a:lnTo>
-                  <a:pt x="21265" y="404037"/>
-                </a:lnTo>
-                <a:lnTo>
-                  <a:pt x="329609" y="393405"/>
-                </a:lnTo>
-                <a:lnTo>
-                  <a:pt x="606055" y="361507"/>
-                </a:lnTo>
-                <a:lnTo>
-                  <a:pt x="956930" y="393405"/>
-                </a:lnTo>
-                <a:lnTo>
-                  <a:pt x="1190846" y="393405"/>
-                </a:lnTo>
-                <a:lnTo>
-                  <a:pt x="1180214" y="31898"/>
-                </a:lnTo>
-                <a:lnTo>
-                  <a:pt x="829339" y="31898"/>
-                </a:lnTo>
-                <a:lnTo>
-                  <a:pt x="404037" y="21265"/>
-                </a:lnTo>
-                <a:lnTo>
-                  <a:pt x="212651" y="0"/>
-                </a:lnTo>
-                <a:lnTo>
-                  <a:pt x="0" y="10632"/>
-                </a:lnTo>
-                <a:close/>
-              </a:path>
-            </a:pathLst>
-          </a:custGeom>
-          <a:solidFill>
-            <a:schemeClr val="bg2">
-              <a:lumMod val="50000"/>
-              <a:alpha val="60000"/>
-            </a:schemeClr>
-          </a:solidFill>
-          <a:ln>
-            <a:noFill/>
-          </a:ln>
-        </p:spPr>
-        <p:style>
-          <a:lnRef idx="2">
-            <a:schemeClr val="accent1">
-              <a:shade val="50000"/>
-            </a:schemeClr>
-          </a:lnRef>
-          <a:fillRef idx="1">
-            <a:schemeClr val="accent1"/>
-          </a:fillRef>
-          <a:effectRef idx="0">
-            <a:schemeClr val="accent1"/>
-          </a:effectRef>
-          <a:fontRef idx="minor">
-            <a:schemeClr val="lt1"/>
-          </a:fontRef>
-        </p:style>
-        <p:txBody>
-          <a:bodyPr rtlCol="0" anchor="ctr"/>
-          <a:lstStyle/>
-          <a:p>
-            <a:pPr algn="ctr"/>
-            <a:endParaRPr lang="en-US">
-              <a:latin typeface="Arial" panose="020B0604020202020204" pitchFamily="34" charset="0"/>
-              <a:cs typeface="Arial" panose="020B0604020202020204" pitchFamily="34" charset="0"/>
-            </a:endParaRPr>
-          </a:p>
-        </p:txBody>
-      </p:sp>
-      <p:sp>
-        <p:nvSpPr>
           <p:cNvPr id="25" name="TextBox 24">
             <a:extLst>
               <a:ext uri="{FF2B5EF4-FFF2-40B4-BE49-F238E27FC236}">
@@ -4136,6 +3926,398 @@
           </a:p>
         </p:txBody>
       </p:sp>
+      <p:cxnSp>
+        <p:nvCxnSpPr>
+          <p:cNvPr id="3" name="Straight Connector 2">
+            <a:extLst>
+              <a:ext uri="{FF2B5EF4-FFF2-40B4-BE49-F238E27FC236}">
+                <a16:creationId xmlns:a16="http://schemas.microsoft.com/office/drawing/2014/main" id="{6A449CEC-3E23-D74D-928F-9854A24A8B02}"/>
+              </a:ext>
+            </a:extLst>
+          </p:cNvPr>
+          <p:cNvCxnSpPr/>
+          <p:nvPr/>
+        </p:nvCxnSpPr>
+        <p:spPr>
+          <a:xfrm>
+            <a:off x="6762307" y="2466753"/>
+            <a:ext cx="0" cy="393405"/>
+          </a:xfrm>
+          <a:prstGeom prst="line">
+            <a:avLst/>
+          </a:prstGeom>
+          <a:ln w="28575">
+            <a:solidFill>
+              <a:schemeClr val="tx1"/>
+            </a:solidFill>
+          </a:ln>
+        </p:spPr>
+        <p:style>
+          <a:lnRef idx="1">
+            <a:schemeClr val="accent1"/>
+          </a:lnRef>
+          <a:fillRef idx="0">
+            <a:schemeClr val="accent1"/>
+          </a:fillRef>
+          <a:effectRef idx="0">
+            <a:schemeClr val="accent1"/>
+          </a:effectRef>
+          <a:fontRef idx="minor">
+            <a:schemeClr val="tx1"/>
+          </a:fontRef>
+        </p:style>
+      </p:cxnSp>
+      <p:sp>
+        <p:nvSpPr>
+          <p:cNvPr id="4" name="Rectangle 3">
+            <a:extLst>
+              <a:ext uri="{FF2B5EF4-FFF2-40B4-BE49-F238E27FC236}">
+                <a16:creationId xmlns:a16="http://schemas.microsoft.com/office/drawing/2014/main" id="{9441EBEE-53FF-9A4A-AD88-2F317E946C55}"/>
+              </a:ext>
+            </a:extLst>
+          </p:cNvPr>
+          <p:cNvSpPr/>
+          <p:nvPr/>
+        </p:nvSpPr>
+        <p:spPr>
+          <a:xfrm>
+            <a:off x="6741042" y="2456121"/>
+            <a:ext cx="1148316" cy="382772"/>
+          </a:xfrm>
+          <a:prstGeom prst="rect">
+            <a:avLst/>
+          </a:prstGeom>
+          <a:solidFill>
+            <a:schemeClr val="bg1"/>
+          </a:solidFill>
+          <a:ln w="28575">
+            <a:solidFill>
+              <a:schemeClr val="tx1"/>
+            </a:solidFill>
+          </a:ln>
+        </p:spPr>
+        <p:style>
+          <a:lnRef idx="2">
+            <a:schemeClr val="accent1">
+              <a:shade val="50000"/>
+            </a:schemeClr>
+          </a:lnRef>
+          <a:fillRef idx="1">
+            <a:schemeClr val="accent1"/>
+          </a:fillRef>
+          <a:effectRef idx="0">
+            <a:schemeClr val="accent1"/>
+          </a:effectRef>
+          <a:fontRef idx="minor">
+            <a:schemeClr val="lt1"/>
+          </a:fontRef>
+        </p:style>
+        <p:txBody>
+          <a:bodyPr rtlCol="0" anchor="ctr"/>
+          <a:lstStyle/>
+          <a:p>
+            <a:pPr algn="ctr"/>
+            <a:endParaRPr lang="en-US"/>
+          </a:p>
+        </p:txBody>
+      </p:sp>
+      <p:cxnSp>
+        <p:nvCxnSpPr>
+          <p:cNvPr id="29" name="Straight Arrow Connector 28">
+            <a:extLst>
+              <a:ext uri="{FF2B5EF4-FFF2-40B4-BE49-F238E27FC236}">
+                <a16:creationId xmlns:a16="http://schemas.microsoft.com/office/drawing/2014/main" id="{840D0675-ABC4-6143-8001-9AD2288A7768}"/>
+              </a:ext>
+            </a:extLst>
+          </p:cNvPr>
+          <p:cNvCxnSpPr>
+            <a:cxnSpLocks/>
+          </p:cNvCxnSpPr>
+          <p:nvPr/>
+        </p:nvCxnSpPr>
+        <p:spPr>
+          <a:xfrm flipH="1">
+            <a:off x="7325833" y="1736651"/>
+            <a:ext cx="184297" cy="698205"/>
+          </a:xfrm>
+          <a:prstGeom prst="straightConnector1">
+            <a:avLst/>
+          </a:prstGeom>
+          <a:ln w="22225">
+            <a:solidFill>
+              <a:schemeClr val="tx1"/>
+            </a:solidFill>
+            <a:headEnd type="none" w="lg" len="lg"/>
+            <a:tailEnd type="triangle" w="lg" len="lg"/>
+          </a:ln>
+        </p:spPr>
+        <p:style>
+          <a:lnRef idx="1">
+            <a:schemeClr val="accent1"/>
+          </a:lnRef>
+          <a:fillRef idx="0">
+            <a:schemeClr val="accent1"/>
+          </a:fillRef>
+          <a:effectRef idx="0">
+            <a:schemeClr val="accent1"/>
+          </a:effectRef>
+          <a:fontRef idx="minor">
+            <a:schemeClr val="tx1"/>
+          </a:fontRef>
+        </p:style>
+      </p:cxnSp>
+      <p:cxnSp>
+        <p:nvCxnSpPr>
+          <p:cNvPr id="7" name="Straight Connector 6">
+            <a:extLst>
+              <a:ext uri="{FF2B5EF4-FFF2-40B4-BE49-F238E27FC236}">
+                <a16:creationId xmlns:a16="http://schemas.microsoft.com/office/drawing/2014/main" id="{92F6B61E-62E3-E54A-A354-660536FBD2E7}"/>
+              </a:ext>
+            </a:extLst>
+          </p:cNvPr>
+          <p:cNvCxnSpPr/>
+          <p:nvPr/>
+        </p:nvCxnSpPr>
+        <p:spPr>
+          <a:xfrm>
+            <a:off x="6911163" y="2445488"/>
+            <a:ext cx="0" cy="414670"/>
+          </a:xfrm>
+          <a:prstGeom prst="line">
+            <a:avLst/>
+          </a:prstGeom>
+          <a:ln w="25400">
+            <a:solidFill>
+              <a:schemeClr val="tx1"/>
+            </a:solidFill>
+          </a:ln>
+        </p:spPr>
+        <p:style>
+          <a:lnRef idx="1">
+            <a:schemeClr val="accent1"/>
+          </a:lnRef>
+          <a:fillRef idx="0">
+            <a:schemeClr val="accent1"/>
+          </a:fillRef>
+          <a:effectRef idx="0">
+            <a:schemeClr val="accent1"/>
+          </a:effectRef>
+          <a:fontRef idx="minor">
+            <a:schemeClr val="tx1"/>
+          </a:fontRef>
+        </p:style>
+      </p:cxnSp>
+      <p:cxnSp>
+        <p:nvCxnSpPr>
+          <p:cNvPr id="32" name="Straight Connector 31">
+            <a:extLst>
+              <a:ext uri="{FF2B5EF4-FFF2-40B4-BE49-F238E27FC236}">
+                <a16:creationId xmlns:a16="http://schemas.microsoft.com/office/drawing/2014/main" id="{9E12A82F-C029-8E4B-B653-B5844152B2D0}"/>
+              </a:ext>
+            </a:extLst>
+          </p:cNvPr>
+          <p:cNvCxnSpPr>
+            <a:cxnSpLocks/>
+          </p:cNvCxnSpPr>
+          <p:nvPr/>
+        </p:nvCxnSpPr>
+        <p:spPr>
+          <a:xfrm>
+            <a:off x="7084829" y="2459660"/>
+            <a:ext cx="0" cy="400498"/>
+          </a:xfrm>
+          <a:prstGeom prst="line">
+            <a:avLst/>
+          </a:prstGeom>
+          <a:ln w="25400">
+            <a:solidFill>
+              <a:schemeClr val="tx1"/>
+            </a:solidFill>
+          </a:ln>
+        </p:spPr>
+        <p:style>
+          <a:lnRef idx="1">
+            <a:schemeClr val="accent1"/>
+          </a:lnRef>
+          <a:fillRef idx="0">
+            <a:schemeClr val="accent1"/>
+          </a:fillRef>
+          <a:effectRef idx="0">
+            <a:schemeClr val="accent1"/>
+          </a:effectRef>
+          <a:fontRef idx="minor">
+            <a:schemeClr val="tx1"/>
+          </a:fontRef>
+        </p:style>
+      </p:cxnSp>
+      <p:cxnSp>
+        <p:nvCxnSpPr>
+          <p:cNvPr id="33" name="Straight Connector 32">
+            <a:extLst>
+              <a:ext uri="{FF2B5EF4-FFF2-40B4-BE49-F238E27FC236}">
+                <a16:creationId xmlns:a16="http://schemas.microsoft.com/office/drawing/2014/main" id="{1FD35B9B-6C58-AD45-B0EE-F9E0533B079D}"/>
+              </a:ext>
+            </a:extLst>
+          </p:cNvPr>
+          <p:cNvCxnSpPr>
+            <a:cxnSpLocks/>
+          </p:cNvCxnSpPr>
+          <p:nvPr/>
+        </p:nvCxnSpPr>
+        <p:spPr>
+          <a:xfrm>
+            <a:off x="7265578" y="2459661"/>
+            <a:ext cx="0" cy="379232"/>
+          </a:xfrm>
+          <a:prstGeom prst="line">
+            <a:avLst/>
+          </a:prstGeom>
+          <a:ln w="25400">
+            <a:solidFill>
+              <a:schemeClr val="tx1"/>
+            </a:solidFill>
+          </a:ln>
+        </p:spPr>
+        <p:style>
+          <a:lnRef idx="1">
+            <a:schemeClr val="accent1"/>
+          </a:lnRef>
+          <a:fillRef idx="0">
+            <a:schemeClr val="accent1"/>
+          </a:fillRef>
+          <a:effectRef idx="0">
+            <a:schemeClr val="accent1"/>
+          </a:effectRef>
+          <a:fontRef idx="minor">
+            <a:schemeClr val="tx1"/>
+          </a:fontRef>
+        </p:style>
+      </p:cxnSp>
+      <p:cxnSp>
+        <p:nvCxnSpPr>
+          <p:cNvPr id="34" name="Straight Connector 33">
+            <a:extLst>
+              <a:ext uri="{FF2B5EF4-FFF2-40B4-BE49-F238E27FC236}">
+                <a16:creationId xmlns:a16="http://schemas.microsoft.com/office/drawing/2014/main" id="{3A0A1AEC-337F-B24B-BC64-56A25A3D64AF}"/>
+              </a:ext>
+            </a:extLst>
+          </p:cNvPr>
+          <p:cNvCxnSpPr/>
+          <p:nvPr/>
+        </p:nvCxnSpPr>
+        <p:spPr>
+          <a:xfrm>
+            <a:off x="7435698" y="2438397"/>
+            <a:ext cx="0" cy="414670"/>
+          </a:xfrm>
+          <a:prstGeom prst="line">
+            <a:avLst/>
+          </a:prstGeom>
+          <a:ln w="25400">
+            <a:solidFill>
+              <a:schemeClr val="tx1"/>
+            </a:solidFill>
+          </a:ln>
+        </p:spPr>
+        <p:style>
+          <a:lnRef idx="1">
+            <a:schemeClr val="accent1"/>
+          </a:lnRef>
+          <a:fillRef idx="0">
+            <a:schemeClr val="accent1"/>
+          </a:fillRef>
+          <a:effectRef idx="0">
+            <a:schemeClr val="accent1"/>
+          </a:effectRef>
+          <a:fontRef idx="minor">
+            <a:schemeClr val="tx1"/>
+          </a:fontRef>
+        </p:style>
+      </p:cxnSp>
+      <p:cxnSp>
+        <p:nvCxnSpPr>
+          <p:cNvPr id="35" name="Straight Connector 34">
+            <a:extLst>
+              <a:ext uri="{FF2B5EF4-FFF2-40B4-BE49-F238E27FC236}">
+                <a16:creationId xmlns:a16="http://schemas.microsoft.com/office/drawing/2014/main" id="{3EA65FE2-F3CA-034E-981C-7CE21B84B815}"/>
+              </a:ext>
+            </a:extLst>
+          </p:cNvPr>
+          <p:cNvCxnSpPr>
+            <a:cxnSpLocks/>
+          </p:cNvCxnSpPr>
+          <p:nvPr/>
+        </p:nvCxnSpPr>
+        <p:spPr>
+          <a:xfrm>
+            <a:off x="7609364" y="2452569"/>
+            <a:ext cx="0" cy="396957"/>
+          </a:xfrm>
+          <a:prstGeom prst="line">
+            <a:avLst/>
+          </a:prstGeom>
+          <a:ln w="25400">
+            <a:solidFill>
+              <a:schemeClr val="tx1"/>
+            </a:solidFill>
+          </a:ln>
+        </p:spPr>
+        <p:style>
+          <a:lnRef idx="1">
+            <a:schemeClr val="accent1"/>
+          </a:lnRef>
+          <a:fillRef idx="0">
+            <a:schemeClr val="accent1"/>
+          </a:fillRef>
+          <a:effectRef idx="0">
+            <a:schemeClr val="accent1"/>
+          </a:effectRef>
+          <a:fontRef idx="minor">
+            <a:schemeClr val="tx1"/>
+          </a:fontRef>
+        </p:style>
+      </p:cxnSp>
+      <p:cxnSp>
+        <p:nvCxnSpPr>
+          <p:cNvPr id="37" name="Straight Connector 36">
+            <a:extLst>
+              <a:ext uri="{FF2B5EF4-FFF2-40B4-BE49-F238E27FC236}">
+                <a16:creationId xmlns:a16="http://schemas.microsoft.com/office/drawing/2014/main" id="{FA9AE234-7FA5-FE4E-9E9B-7564CF3DC132}"/>
+              </a:ext>
+            </a:extLst>
+          </p:cNvPr>
+          <p:cNvCxnSpPr/>
+          <p:nvPr/>
+        </p:nvCxnSpPr>
+        <p:spPr>
+          <a:xfrm>
+            <a:off x="7765317" y="2449029"/>
+            <a:ext cx="0" cy="414670"/>
+          </a:xfrm>
+          <a:prstGeom prst="line">
+            <a:avLst/>
+          </a:prstGeom>
+          <a:ln w="25400">
+            <a:solidFill>
+              <a:schemeClr val="tx1"/>
+            </a:solidFill>
+          </a:ln>
+        </p:spPr>
+        <p:style>
+          <a:lnRef idx="1">
+            <a:schemeClr val="accent1"/>
+          </a:lnRef>
+          <a:fillRef idx="0">
+            <a:schemeClr val="accent1"/>
+          </a:fillRef>
+          <a:effectRef idx="0">
+            <a:schemeClr val="accent1"/>
+          </a:effectRef>
+          <a:fontRef idx="minor">
+            <a:schemeClr val="tx1"/>
+          </a:fontRef>
+        </p:style>
+      </p:cxnSp>
     </p:spTree>
     <p:extLst>
       <p:ext uri="{BB962C8B-B14F-4D97-AF65-F5344CB8AC3E}">
@@ -4441,7 +4623,7 @@
         <p:spPr>
           <a:xfrm>
             <a:off x="1800440" y="4043918"/>
-            <a:ext cx="4104009" cy="461665"/>
+            <a:ext cx="4418197" cy="461665"/>
           </a:xfrm>
           <a:prstGeom prst="rect">
             <a:avLst/>
@@ -4460,7 +4642,7 @@
               <a:rPr lang="en-US" sz="2400">
                 <a:latin typeface="Swell Braille" pitchFamily="49"/>
               </a:rPr>
-              <a:t>⠇⠊⠹⠕⠎⠏⠓⠻⠊⠉⠀⠍⠁⠝⠞⠇⠑</a:t>
+              <a:t>⠇⠊⠞⠓⠕⠎⠏⠓⠑⠗⠊⠉⠀⠍⠁⠝⠞⠇⠑</a:t>
             </a:r>
           </a:p>
         </p:txBody>
@@ -4631,90 +4813,6 @@
       </p:cxnSp>
       <p:sp>
         <p:nvSpPr>
-          <p:cNvPr id="57" name="TextBox 56">
-            <a:extLst>
-              <a:ext uri="{FF2B5EF4-FFF2-40B4-BE49-F238E27FC236}">
-                <a16:creationId xmlns:a16="http://schemas.microsoft.com/office/drawing/2014/main" id="{CCE6D23A-95C6-154E-BDF2-ADA6A6344D9A}"/>
-              </a:ext>
-            </a:extLst>
-          </p:cNvPr>
-          <p:cNvSpPr txBox="1"/>
-          <p:nvPr/>
-        </p:nvSpPr>
-        <p:spPr>
-          <a:xfrm>
-            <a:off x="3678865" y="5769935"/>
-            <a:ext cx="4167963" cy="461665"/>
-          </a:xfrm>
-          <a:prstGeom prst="rect">
-            <a:avLst/>
-          </a:prstGeom>
-          <a:solidFill>
-            <a:schemeClr val="bg1"/>
-          </a:solidFill>
-        </p:spPr>
-        <p:txBody>
-          <a:bodyPr wrap="square" rtlCol="0">
-            <a:spAutoFit/>
-          </a:bodyPr>
-          <a:lstStyle/>
-          <a:p>
-            <a:r>
-              <a:rPr lang="en-US" sz="2400">
-                <a:latin typeface="Swell Braille" pitchFamily="49"/>
-              </a:rPr>
-              <a:t>⠁⠎⠮⠝⠕⠎⠏⠓⠻⠊⠉⠀⠍⠁⠝⠞⠇⠑</a:t>
-            </a:r>
-          </a:p>
-        </p:txBody>
-      </p:sp>
-      <p:cxnSp>
-        <p:nvCxnSpPr>
-          <p:cNvPr id="69" name="Straight Arrow Connector 68">
-            <a:extLst>
-              <a:ext uri="{FF2B5EF4-FFF2-40B4-BE49-F238E27FC236}">
-                <a16:creationId xmlns:a16="http://schemas.microsoft.com/office/drawing/2014/main" id="{12D49185-C408-3342-B4EA-82C2F6334D16}"/>
-              </a:ext>
-            </a:extLst>
-          </p:cNvPr>
-          <p:cNvCxnSpPr>
-            <a:cxnSpLocks/>
-          </p:cNvCxnSpPr>
-          <p:nvPr/>
-        </p:nvCxnSpPr>
-        <p:spPr>
-          <a:xfrm flipH="1">
-            <a:off x="7166345" y="1796902"/>
-            <a:ext cx="340241" cy="669852"/>
-          </a:xfrm>
-          <a:prstGeom prst="straightConnector1">
-            <a:avLst/>
-          </a:prstGeom>
-          <a:ln w="22225">
-            <a:solidFill>
-              <a:schemeClr val="tx1"/>
-            </a:solidFill>
-            <a:headEnd type="none" w="lg" len="lg"/>
-            <a:tailEnd type="triangle" w="lg" len="lg"/>
-          </a:ln>
-        </p:spPr>
-        <p:style>
-          <a:lnRef idx="1">
-            <a:schemeClr val="accent1"/>
-          </a:lnRef>
-          <a:fillRef idx="0">
-            <a:schemeClr val="accent1"/>
-          </a:fillRef>
-          <a:effectRef idx="0">
-            <a:schemeClr val="accent1"/>
-          </a:effectRef>
-          <a:fontRef idx="minor">
-            <a:schemeClr val="tx1"/>
-          </a:fontRef>
-        </p:style>
-      </p:cxnSp>
-      <p:sp>
-        <p:nvSpPr>
           <p:cNvPr id="18" name="Left Brace 17">
             <a:extLst>
               <a:ext uri="{FF2B5EF4-FFF2-40B4-BE49-F238E27FC236}">
@@ -4831,8 +4929,8 @@
         </p:nvSpPr>
         <p:spPr>
           <a:xfrm rot="16200000">
-            <a:off x="-1426580" y="3621853"/>
-            <a:ext cx="4336444" cy="461665"/>
+            <a:off x="-1913092" y="3621853"/>
+            <a:ext cx="5309467" cy="461665"/>
           </a:xfrm>
           <a:prstGeom prst="rect">
             <a:avLst/>
@@ -4848,7 +4946,7 @@
               <a:rPr lang="en-US" sz="2400">
                 <a:latin typeface="Swell Braille" pitchFamily="49"/>
               </a:rPr>
-              <a:t>⠉⠕⠝⠞⠔⠢⠞⠁⠇⠀⠇⠊⠹⠕⠎⠏⠐⠓</a:t>
+              <a:t>⠉⠕⠝⠞⠊⠝⠑⠝⠞⠁⠇⠀⠇⠊⠞⠓⠕⠎⠏⠓⠑⠗⠑</a:t>
             </a:r>
           </a:p>
         </p:txBody>
@@ -4867,8 +4965,8 @@
         </p:nvSpPr>
         <p:spPr>
           <a:xfrm rot="5400000">
-            <a:off x="6711833" y="3700131"/>
-            <a:ext cx="3639138" cy="461665"/>
+            <a:off x="6396731" y="4104169"/>
+            <a:ext cx="4418197" cy="461665"/>
           </a:xfrm>
           <a:prstGeom prst="rect">
             <a:avLst/>
@@ -4884,17 +4982,58 @@
               <a:rPr lang="en-US" sz="2400">
                 <a:latin typeface="Swell Braille" pitchFamily="49"/>
               </a:rPr>
-              <a:t>⠕⠉⠂⠝⠊⠉⠀⠇⠊⠹⠕⠎⠏⠐⠓</a:t>
-            </a:r>
-          </a:p>
-        </p:txBody>
-      </p:sp>
-      <p:sp>
-        <p:nvSpPr>
-          <p:cNvPr id="28" name="Freeform 27">
+              <a:t>⠕⠉⠑⠁⠝⠊⠉⠀⠇⠊⠞⠓⠕⠎⠏⠓⠑⠗⠑</a:t>
+            </a:r>
+          </a:p>
+        </p:txBody>
+      </p:sp>
+      <p:cxnSp>
+        <p:nvCxnSpPr>
+          <p:cNvPr id="21" name="Straight Connector 20">
             <a:extLst>
               <a:ext uri="{FF2B5EF4-FFF2-40B4-BE49-F238E27FC236}">
-                <a16:creationId xmlns:a16="http://schemas.microsoft.com/office/drawing/2014/main" id="{7D50694C-EBDF-D340-BCA3-603E60900286}"/>
+                <a16:creationId xmlns:a16="http://schemas.microsoft.com/office/drawing/2014/main" id="{CDB1A61E-A8F2-D941-817C-7839DC681B9D}"/>
+              </a:ext>
+            </a:extLst>
+          </p:cNvPr>
+          <p:cNvCxnSpPr/>
+          <p:nvPr/>
+        </p:nvCxnSpPr>
+        <p:spPr>
+          <a:xfrm>
+            <a:off x="6762307" y="2466753"/>
+            <a:ext cx="0" cy="393405"/>
+          </a:xfrm>
+          <a:prstGeom prst="line">
+            <a:avLst/>
+          </a:prstGeom>
+          <a:ln w="28575">
+            <a:solidFill>
+              <a:schemeClr val="tx1"/>
+            </a:solidFill>
+          </a:ln>
+        </p:spPr>
+        <p:style>
+          <a:lnRef idx="1">
+            <a:schemeClr val="accent1"/>
+          </a:lnRef>
+          <a:fillRef idx="0">
+            <a:schemeClr val="accent1"/>
+          </a:fillRef>
+          <a:effectRef idx="0">
+            <a:schemeClr val="accent1"/>
+          </a:effectRef>
+          <a:fontRef idx="minor">
+            <a:schemeClr val="tx1"/>
+          </a:fontRef>
+        </p:style>
+      </p:cxnSp>
+      <p:sp>
+        <p:nvSpPr>
+          <p:cNvPr id="22" name="Rectangle 21">
+            <a:extLst>
+              <a:ext uri="{FF2B5EF4-FFF2-40B4-BE49-F238E27FC236}">
+                <a16:creationId xmlns:a16="http://schemas.microsoft.com/office/drawing/2014/main" id="{560D175F-5D07-A642-9B01-8FE0CB249D6A}"/>
               </a:ext>
             </a:extLst>
           </p:cNvPr>
@@ -4903,127 +5042,19 @@
         </p:nvSpPr>
         <p:spPr>
           <a:xfrm>
-            <a:off x="6698512" y="2456121"/>
-            <a:ext cx="1190846" cy="404037"/>
-          </a:xfrm>
-          <a:custGeom>
+            <a:off x="6741042" y="2456121"/>
+            <a:ext cx="1148316" cy="382772"/>
+          </a:xfrm>
+          <a:prstGeom prst="rect">
             <a:avLst/>
-            <a:gdLst>
-              <a:gd name="connsiteX0" fmla="*/ 0 w 1190846"/>
-              <a:gd name="connsiteY0" fmla="*/ 10632 h 404037"/>
-              <a:gd name="connsiteX1" fmla="*/ 0 w 1190846"/>
-              <a:gd name="connsiteY1" fmla="*/ 10632 h 404037"/>
-              <a:gd name="connsiteX2" fmla="*/ 21265 w 1190846"/>
-              <a:gd name="connsiteY2" fmla="*/ 404037 h 404037"/>
-              <a:gd name="connsiteX3" fmla="*/ 329609 w 1190846"/>
-              <a:gd name="connsiteY3" fmla="*/ 393405 h 404037"/>
-              <a:gd name="connsiteX4" fmla="*/ 606055 w 1190846"/>
-              <a:gd name="connsiteY4" fmla="*/ 361507 h 404037"/>
-              <a:gd name="connsiteX5" fmla="*/ 956930 w 1190846"/>
-              <a:gd name="connsiteY5" fmla="*/ 393405 h 404037"/>
-              <a:gd name="connsiteX6" fmla="*/ 1190846 w 1190846"/>
-              <a:gd name="connsiteY6" fmla="*/ 393405 h 404037"/>
-              <a:gd name="connsiteX7" fmla="*/ 1180214 w 1190846"/>
-              <a:gd name="connsiteY7" fmla="*/ 31898 h 404037"/>
-              <a:gd name="connsiteX8" fmla="*/ 829339 w 1190846"/>
-              <a:gd name="connsiteY8" fmla="*/ 31898 h 404037"/>
-              <a:gd name="connsiteX9" fmla="*/ 404037 w 1190846"/>
-              <a:gd name="connsiteY9" fmla="*/ 21265 h 404037"/>
-              <a:gd name="connsiteX10" fmla="*/ 212651 w 1190846"/>
-              <a:gd name="connsiteY10" fmla="*/ 0 h 404037"/>
-              <a:gd name="connsiteX11" fmla="*/ 0 w 1190846"/>
-              <a:gd name="connsiteY11" fmla="*/ 10632 h 404037"/>
-            </a:gdLst>
-            <a:ahLst/>
-            <a:cxnLst>
-              <a:cxn ang="0">
-                <a:pos x="connsiteX0" y="connsiteY0"/>
-              </a:cxn>
-              <a:cxn ang="0">
-                <a:pos x="connsiteX1" y="connsiteY1"/>
-              </a:cxn>
-              <a:cxn ang="0">
-                <a:pos x="connsiteX2" y="connsiteY2"/>
-              </a:cxn>
-              <a:cxn ang="0">
-                <a:pos x="connsiteX3" y="connsiteY3"/>
-              </a:cxn>
-              <a:cxn ang="0">
-                <a:pos x="connsiteX4" y="connsiteY4"/>
-              </a:cxn>
-              <a:cxn ang="0">
-                <a:pos x="connsiteX5" y="connsiteY5"/>
-              </a:cxn>
-              <a:cxn ang="0">
-                <a:pos x="connsiteX6" y="connsiteY6"/>
-              </a:cxn>
-              <a:cxn ang="0">
-                <a:pos x="connsiteX7" y="connsiteY7"/>
-              </a:cxn>
-              <a:cxn ang="0">
-                <a:pos x="connsiteX8" y="connsiteY8"/>
-              </a:cxn>
-              <a:cxn ang="0">
-                <a:pos x="connsiteX9" y="connsiteY9"/>
-              </a:cxn>
-              <a:cxn ang="0">
-                <a:pos x="connsiteX10" y="connsiteY10"/>
-              </a:cxn>
-              <a:cxn ang="0">
-                <a:pos x="connsiteX11" y="connsiteY11"/>
-              </a:cxn>
-            </a:cxnLst>
-            <a:rect l="l" t="t" r="r" b="b"/>
-            <a:pathLst>
-              <a:path w="1190846" h="404037">
-                <a:moveTo>
-                  <a:pt x="0" y="10632"/>
-                </a:moveTo>
-                <a:lnTo>
-                  <a:pt x="0" y="10632"/>
-                </a:lnTo>
-                <a:lnTo>
-                  <a:pt x="21265" y="404037"/>
-                </a:lnTo>
-                <a:lnTo>
-                  <a:pt x="329609" y="393405"/>
-                </a:lnTo>
-                <a:lnTo>
-                  <a:pt x="606055" y="361507"/>
-                </a:lnTo>
-                <a:lnTo>
-                  <a:pt x="956930" y="393405"/>
-                </a:lnTo>
-                <a:lnTo>
-                  <a:pt x="1190846" y="393405"/>
-                </a:lnTo>
-                <a:lnTo>
-                  <a:pt x="1180214" y="31898"/>
-                </a:lnTo>
-                <a:lnTo>
-                  <a:pt x="829339" y="31898"/>
-                </a:lnTo>
-                <a:lnTo>
-                  <a:pt x="404037" y="21265"/>
-                </a:lnTo>
-                <a:lnTo>
-                  <a:pt x="212651" y="0"/>
-                </a:lnTo>
-                <a:lnTo>
-                  <a:pt x="0" y="10632"/>
-                </a:lnTo>
-                <a:close/>
-              </a:path>
-            </a:pathLst>
-          </a:custGeom>
+          </a:prstGeom>
           <a:solidFill>
-            <a:schemeClr val="bg2">
-              <a:lumMod val="50000"/>
-              <a:alpha val="60000"/>
-            </a:schemeClr>
+            <a:schemeClr val="bg1"/>
           </a:solidFill>
-          <a:ln>
-            <a:noFill/>
+          <a:ln w="28575">
+            <a:solidFill>
+              <a:schemeClr val="tx1"/>
+            </a:solidFill>
           </a:ln>
         </p:spPr>
         <p:style>
@@ -5048,6 +5079,339 @@
           <a:p>
             <a:pPr algn="ctr"/>
             <a:endParaRPr lang="en-US"/>
+          </a:p>
+        </p:txBody>
+      </p:sp>
+      <p:cxnSp>
+        <p:nvCxnSpPr>
+          <p:cNvPr id="23" name="Straight Arrow Connector 22">
+            <a:extLst>
+              <a:ext uri="{FF2B5EF4-FFF2-40B4-BE49-F238E27FC236}">
+                <a16:creationId xmlns:a16="http://schemas.microsoft.com/office/drawing/2014/main" id="{7F8787FD-F267-FC44-AC09-8FA3CDE589A0}"/>
+              </a:ext>
+            </a:extLst>
+          </p:cNvPr>
+          <p:cNvCxnSpPr>
+            <a:cxnSpLocks/>
+          </p:cNvCxnSpPr>
+          <p:nvPr/>
+        </p:nvCxnSpPr>
+        <p:spPr>
+          <a:xfrm flipH="1">
+            <a:off x="7325833" y="1736651"/>
+            <a:ext cx="184297" cy="698205"/>
+          </a:xfrm>
+          <a:prstGeom prst="straightConnector1">
+            <a:avLst/>
+          </a:prstGeom>
+          <a:ln w="22225">
+            <a:solidFill>
+              <a:schemeClr val="tx1"/>
+            </a:solidFill>
+            <a:headEnd type="none" w="lg" len="lg"/>
+            <a:tailEnd type="triangle" w="lg" len="lg"/>
+          </a:ln>
+        </p:spPr>
+        <p:style>
+          <a:lnRef idx="1">
+            <a:schemeClr val="accent1"/>
+          </a:lnRef>
+          <a:fillRef idx="0">
+            <a:schemeClr val="accent1"/>
+          </a:fillRef>
+          <a:effectRef idx="0">
+            <a:schemeClr val="accent1"/>
+          </a:effectRef>
+          <a:fontRef idx="minor">
+            <a:schemeClr val="tx1"/>
+          </a:fontRef>
+        </p:style>
+      </p:cxnSp>
+      <p:cxnSp>
+        <p:nvCxnSpPr>
+          <p:cNvPr id="24" name="Straight Connector 23">
+            <a:extLst>
+              <a:ext uri="{FF2B5EF4-FFF2-40B4-BE49-F238E27FC236}">
+                <a16:creationId xmlns:a16="http://schemas.microsoft.com/office/drawing/2014/main" id="{82C33FA9-5287-6C44-9ADA-EFA55DF133F3}"/>
+              </a:ext>
+            </a:extLst>
+          </p:cNvPr>
+          <p:cNvCxnSpPr/>
+          <p:nvPr/>
+        </p:nvCxnSpPr>
+        <p:spPr>
+          <a:xfrm>
+            <a:off x="6911163" y="2445488"/>
+            <a:ext cx="0" cy="414670"/>
+          </a:xfrm>
+          <a:prstGeom prst="line">
+            <a:avLst/>
+          </a:prstGeom>
+          <a:ln w="25400">
+            <a:solidFill>
+              <a:schemeClr val="tx1"/>
+            </a:solidFill>
+          </a:ln>
+        </p:spPr>
+        <p:style>
+          <a:lnRef idx="1">
+            <a:schemeClr val="accent1"/>
+          </a:lnRef>
+          <a:fillRef idx="0">
+            <a:schemeClr val="accent1"/>
+          </a:fillRef>
+          <a:effectRef idx="0">
+            <a:schemeClr val="accent1"/>
+          </a:effectRef>
+          <a:fontRef idx="minor">
+            <a:schemeClr val="tx1"/>
+          </a:fontRef>
+        </p:style>
+      </p:cxnSp>
+      <p:cxnSp>
+        <p:nvCxnSpPr>
+          <p:cNvPr id="25" name="Straight Connector 24">
+            <a:extLst>
+              <a:ext uri="{FF2B5EF4-FFF2-40B4-BE49-F238E27FC236}">
+                <a16:creationId xmlns:a16="http://schemas.microsoft.com/office/drawing/2014/main" id="{628C0483-0216-024E-A3D9-EFE91482A8D0}"/>
+              </a:ext>
+            </a:extLst>
+          </p:cNvPr>
+          <p:cNvCxnSpPr>
+            <a:cxnSpLocks/>
+          </p:cNvCxnSpPr>
+          <p:nvPr/>
+        </p:nvCxnSpPr>
+        <p:spPr>
+          <a:xfrm>
+            <a:off x="7084829" y="2459660"/>
+            <a:ext cx="0" cy="400498"/>
+          </a:xfrm>
+          <a:prstGeom prst="line">
+            <a:avLst/>
+          </a:prstGeom>
+          <a:ln w="25400">
+            <a:solidFill>
+              <a:schemeClr val="tx1"/>
+            </a:solidFill>
+          </a:ln>
+        </p:spPr>
+        <p:style>
+          <a:lnRef idx="1">
+            <a:schemeClr val="accent1"/>
+          </a:lnRef>
+          <a:fillRef idx="0">
+            <a:schemeClr val="accent1"/>
+          </a:fillRef>
+          <a:effectRef idx="0">
+            <a:schemeClr val="accent1"/>
+          </a:effectRef>
+          <a:fontRef idx="minor">
+            <a:schemeClr val="tx1"/>
+          </a:fontRef>
+        </p:style>
+      </p:cxnSp>
+      <p:cxnSp>
+        <p:nvCxnSpPr>
+          <p:cNvPr id="26" name="Straight Connector 25">
+            <a:extLst>
+              <a:ext uri="{FF2B5EF4-FFF2-40B4-BE49-F238E27FC236}">
+                <a16:creationId xmlns:a16="http://schemas.microsoft.com/office/drawing/2014/main" id="{5B727E08-83B2-7A4C-A382-21BC6A88937F}"/>
+              </a:ext>
+            </a:extLst>
+          </p:cNvPr>
+          <p:cNvCxnSpPr>
+            <a:cxnSpLocks/>
+          </p:cNvCxnSpPr>
+          <p:nvPr/>
+        </p:nvCxnSpPr>
+        <p:spPr>
+          <a:xfrm>
+            <a:off x="7265578" y="2459661"/>
+            <a:ext cx="0" cy="379232"/>
+          </a:xfrm>
+          <a:prstGeom prst="line">
+            <a:avLst/>
+          </a:prstGeom>
+          <a:ln w="25400">
+            <a:solidFill>
+              <a:schemeClr val="tx1"/>
+            </a:solidFill>
+          </a:ln>
+        </p:spPr>
+        <p:style>
+          <a:lnRef idx="1">
+            <a:schemeClr val="accent1"/>
+          </a:lnRef>
+          <a:fillRef idx="0">
+            <a:schemeClr val="accent1"/>
+          </a:fillRef>
+          <a:effectRef idx="0">
+            <a:schemeClr val="accent1"/>
+          </a:effectRef>
+          <a:fontRef idx="minor">
+            <a:schemeClr val="tx1"/>
+          </a:fontRef>
+        </p:style>
+      </p:cxnSp>
+      <p:cxnSp>
+        <p:nvCxnSpPr>
+          <p:cNvPr id="27" name="Straight Connector 26">
+            <a:extLst>
+              <a:ext uri="{FF2B5EF4-FFF2-40B4-BE49-F238E27FC236}">
+                <a16:creationId xmlns:a16="http://schemas.microsoft.com/office/drawing/2014/main" id="{A53B3867-2BDB-CF43-BBAD-EDE5BE393CEB}"/>
+              </a:ext>
+            </a:extLst>
+          </p:cNvPr>
+          <p:cNvCxnSpPr/>
+          <p:nvPr/>
+        </p:nvCxnSpPr>
+        <p:spPr>
+          <a:xfrm>
+            <a:off x="7435698" y="2438397"/>
+            <a:ext cx="0" cy="414670"/>
+          </a:xfrm>
+          <a:prstGeom prst="line">
+            <a:avLst/>
+          </a:prstGeom>
+          <a:ln w="25400">
+            <a:solidFill>
+              <a:schemeClr val="tx1"/>
+            </a:solidFill>
+          </a:ln>
+        </p:spPr>
+        <p:style>
+          <a:lnRef idx="1">
+            <a:schemeClr val="accent1"/>
+          </a:lnRef>
+          <a:fillRef idx="0">
+            <a:schemeClr val="accent1"/>
+          </a:fillRef>
+          <a:effectRef idx="0">
+            <a:schemeClr val="accent1"/>
+          </a:effectRef>
+          <a:fontRef idx="minor">
+            <a:schemeClr val="tx1"/>
+          </a:fontRef>
+        </p:style>
+      </p:cxnSp>
+      <p:cxnSp>
+        <p:nvCxnSpPr>
+          <p:cNvPr id="29" name="Straight Connector 28">
+            <a:extLst>
+              <a:ext uri="{FF2B5EF4-FFF2-40B4-BE49-F238E27FC236}">
+                <a16:creationId xmlns:a16="http://schemas.microsoft.com/office/drawing/2014/main" id="{88C0634F-0176-6C42-9A86-4DD5B2A5B57A}"/>
+              </a:ext>
+            </a:extLst>
+          </p:cNvPr>
+          <p:cNvCxnSpPr>
+            <a:cxnSpLocks/>
+          </p:cNvCxnSpPr>
+          <p:nvPr/>
+        </p:nvCxnSpPr>
+        <p:spPr>
+          <a:xfrm>
+            <a:off x="7609364" y="2452569"/>
+            <a:ext cx="0" cy="396957"/>
+          </a:xfrm>
+          <a:prstGeom prst="line">
+            <a:avLst/>
+          </a:prstGeom>
+          <a:ln w="25400">
+            <a:solidFill>
+              <a:schemeClr val="tx1"/>
+            </a:solidFill>
+          </a:ln>
+        </p:spPr>
+        <p:style>
+          <a:lnRef idx="1">
+            <a:schemeClr val="accent1"/>
+          </a:lnRef>
+          <a:fillRef idx="0">
+            <a:schemeClr val="accent1"/>
+          </a:fillRef>
+          <a:effectRef idx="0">
+            <a:schemeClr val="accent1"/>
+          </a:effectRef>
+          <a:fontRef idx="minor">
+            <a:schemeClr val="tx1"/>
+          </a:fontRef>
+        </p:style>
+      </p:cxnSp>
+      <p:cxnSp>
+        <p:nvCxnSpPr>
+          <p:cNvPr id="30" name="Straight Connector 29">
+            <a:extLst>
+              <a:ext uri="{FF2B5EF4-FFF2-40B4-BE49-F238E27FC236}">
+                <a16:creationId xmlns:a16="http://schemas.microsoft.com/office/drawing/2014/main" id="{857A6B72-2279-2941-866A-578612A8F122}"/>
+              </a:ext>
+            </a:extLst>
+          </p:cNvPr>
+          <p:cNvCxnSpPr/>
+          <p:nvPr/>
+        </p:nvCxnSpPr>
+        <p:spPr>
+          <a:xfrm>
+            <a:off x="7765317" y="2449029"/>
+            <a:ext cx="0" cy="414670"/>
+          </a:xfrm>
+          <a:prstGeom prst="line">
+            <a:avLst/>
+          </a:prstGeom>
+          <a:ln w="25400">
+            <a:solidFill>
+              <a:schemeClr val="tx1"/>
+            </a:solidFill>
+          </a:ln>
+        </p:spPr>
+        <p:style>
+          <a:lnRef idx="1">
+            <a:schemeClr val="accent1"/>
+          </a:lnRef>
+          <a:fillRef idx="0">
+            <a:schemeClr val="accent1"/>
+          </a:fillRef>
+          <a:effectRef idx="0">
+            <a:schemeClr val="accent1"/>
+          </a:effectRef>
+          <a:fontRef idx="minor">
+            <a:schemeClr val="tx1"/>
+          </a:fontRef>
+        </p:style>
+      </p:cxnSp>
+      <p:sp>
+        <p:nvSpPr>
+          <p:cNvPr id="2" name="Rectangle 1">
+            <a:extLst>
+              <a:ext uri="{FF2B5EF4-FFF2-40B4-BE49-F238E27FC236}">
+                <a16:creationId xmlns:a16="http://schemas.microsoft.com/office/drawing/2014/main" id="{2B9B8376-DC95-A843-8722-70C535084E09}"/>
+              </a:ext>
+            </a:extLst>
+          </p:cNvPr>
+          <p:cNvSpPr/>
+          <p:nvPr/>
+        </p:nvSpPr>
+        <p:spPr>
+          <a:xfrm>
+            <a:off x="3013324" y="5829578"/>
+            <a:ext cx="5033750" cy="461665"/>
+          </a:xfrm>
+          <a:prstGeom prst="rect">
+            <a:avLst/>
+          </a:prstGeom>
+        </p:spPr>
+        <p:txBody>
+          <a:bodyPr wrap="square">
+            <a:spAutoFit/>
+          </a:bodyPr>
+          <a:lstStyle/>
+          <a:p>
+            <a:r>
+              <a:rPr lang="en-US" sz="2400">
+                <a:latin typeface="Swell Braille" pitchFamily="49"/>
+              </a:rPr>
+              <a:t>⠁⠎⠞⠓⠑⠝⠕⠎⠏⠓⠑⠗⠊⠉⠀⠍⠁⠝⠞⠇⠑</a:t>
+            </a:r>
           </a:p>
         </p:txBody>
       </p:sp>
@@ -5187,168 +5551,374 @@
           </a:prstGeom>
         </p:spPr>
       </p:pic>
-      <p:sp>
-        <p:nvSpPr>
-          <p:cNvPr id="28" name="Freeform 27">
+      <p:grpSp>
+        <p:nvGrpSpPr>
+          <p:cNvPr id="2" name="Group 1">
             <a:extLst>
               <a:ext uri="{FF2B5EF4-FFF2-40B4-BE49-F238E27FC236}">
-                <a16:creationId xmlns:a16="http://schemas.microsoft.com/office/drawing/2014/main" id="{7D50694C-EBDF-D340-BCA3-603E60900286}"/>
+                <a16:creationId xmlns:a16="http://schemas.microsoft.com/office/drawing/2014/main" id="{8CDFA4CD-681C-244B-B23C-283BE38A05B3}"/>
               </a:ext>
             </a:extLst>
           </p:cNvPr>
-          <p:cNvSpPr/>
+          <p:cNvGrpSpPr/>
           <p:nvPr/>
-        </p:nvSpPr>
-        <p:spPr>
-          <a:xfrm>
-            <a:off x="6921795" y="1435395"/>
-            <a:ext cx="1394474" cy="473125"/>
-          </a:xfrm>
-          <a:custGeom>
-            <a:avLst/>
-            <a:gdLst>
-              <a:gd name="connsiteX0" fmla="*/ 0 w 1190846"/>
-              <a:gd name="connsiteY0" fmla="*/ 10632 h 404037"/>
-              <a:gd name="connsiteX1" fmla="*/ 0 w 1190846"/>
-              <a:gd name="connsiteY1" fmla="*/ 10632 h 404037"/>
-              <a:gd name="connsiteX2" fmla="*/ 21265 w 1190846"/>
-              <a:gd name="connsiteY2" fmla="*/ 404037 h 404037"/>
-              <a:gd name="connsiteX3" fmla="*/ 329609 w 1190846"/>
-              <a:gd name="connsiteY3" fmla="*/ 393405 h 404037"/>
-              <a:gd name="connsiteX4" fmla="*/ 606055 w 1190846"/>
-              <a:gd name="connsiteY4" fmla="*/ 361507 h 404037"/>
-              <a:gd name="connsiteX5" fmla="*/ 956930 w 1190846"/>
-              <a:gd name="connsiteY5" fmla="*/ 393405 h 404037"/>
-              <a:gd name="connsiteX6" fmla="*/ 1190846 w 1190846"/>
-              <a:gd name="connsiteY6" fmla="*/ 393405 h 404037"/>
-              <a:gd name="connsiteX7" fmla="*/ 1180214 w 1190846"/>
-              <a:gd name="connsiteY7" fmla="*/ 31898 h 404037"/>
-              <a:gd name="connsiteX8" fmla="*/ 829339 w 1190846"/>
-              <a:gd name="connsiteY8" fmla="*/ 31898 h 404037"/>
-              <a:gd name="connsiteX9" fmla="*/ 404037 w 1190846"/>
-              <a:gd name="connsiteY9" fmla="*/ 21265 h 404037"/>
-              <a:gd name="connsiteX10" fmla="*/ 212651 w 1190846"/>
-              <a:gd name="connsiteY10" fmla="*/ 0 h 404037"/>
-              <a:gd name="connsiteX11" fmla="*/ 0 w 1190846"/>
-              <a:gd name="connsiteY11" fmla="*/ 10632 h 404037"/>
-            </a:gdLst>
-            <a:ahLst/>
-            <a:cxnLst>
-              <a:cxn ang="0">
-                <a:pos x="connsiteX0" y="connsiteY0"/>
-              </a:cxn>
-              <a:cxn ang="0">
-                <a:pos x="connsiteX1" y="connsiteY1"/>
-              </a:cxn>
-              <a:cxn ang="0">
-                <a:pos x="connsiteX2" y="connsiteY2"/>
-              </a:cxn>
-              <a:cxn ang="0">
-                <a:pos x="connsiteX3" y="connsiteY3"/>
-              </a:cxn>
-              <a:cxn ang="0">
-                <a:pos x="connsiteX4" y="connsiteY4"/>
-              </a:cxn>
-              <a:cxn ang="0">
-                <a:pos x="connsiteX5" y="connsiteY5"/>
-              </a:cxn>
-              <a:cxn ang="0">
-                <a:pos x="connsiteX6" y="connsiteY6"/>
-              </a:cxn>
-              <a:cxn ang="0">
-                <a:pos x="connsiteX7" y="connsiteY7"/>
-              </a:cxn>
-              <a:cxn ang="0">
-                <a:pos x="connsiteX8" y="connsiteY8"/>
-              </a:cxn>
-              <a:cxn ang="0">
-                <a:pos x="connsiteX9" y="connsiteY9"/>
-              </a:cxn>
-              <a:cxn ang="0">
-                <a:pos x="connsiteX10" y="connsiteY10"/>
-              </a:cxn>
-              <a:cxn ang="0">
-                <a:pos x="connsiteX11" y="connsiteY11"/>
-              </a:cxn>
-            </a:cxnLst>
-            <a:rect l="l" t="t" r="r" b="b"/>
-            <a:pathLst>
-              <a:path w="1190846" h="404037">
-                <a:moveTo>
-                  <a:pt x="0" y="10632"/>
-                </a:moveTo>
-                <a:lnTo>
-                  <a:pt x="0" y="10632"/>
-                </a:lnTo>
-                <a:lnTo>
-                  <a:pt x="21265" y="404037"/>
-                </a:lnTo>
-                <a:lnTo>
-                  <a:pt x="329609" y="393405"/>
-                </a:lnTo>
-                <a:lnTo>
-                  <a:pt x="606055" y="361507"/>
-                </a:lnTo>
-                <a:lnTo>
-                  <a:pt x="956930" y="393405"/>
-                </a:lnTo>
-                <a:lnTo>
-                  <a:pt x="1190846" y="393405"/>
-                </a:lnTo>
-                <a:lnTo>
-                  <a:pt x="1180214" y="31898"/>
-                </a:lnTo>
-                <a:lnTo>
-                  <a:pt x="829339" y="31898"/>
-                </a:lnTo>
-                <a:lnTo>
-                  <a:pt x="404037" y="21265"/>
-                </a:lnTo>
-                <a:lnTo>
-                  <a:pt x="212651" y="0"/>
-                </a:lnTo>
-                <a:lnTo>
-                  <a:pt x="0" y="10632"/>
-                </a:lnTo>
-                <a:close/>
-              </a:path>
-            </a:pathLst>
-          </a:custGeom>
-          <a:solidFill>
-            <a:schemeClr val="bg2">
-              <a:lumMod val="50000"/>
-              <a:alpha val="60000"/>
-            </a:schemeClr>
-          </a:solidFill>
-          <a:ln>
-            <a:noFill/>
-          </a:ln>
-        </p:spPr>
-        <p:style>
-          <a:lnRef idx="2">
-            <a:schemeClr val="accent1">
-              <a:shade val="50000"/>
-            </a:schemeClr>
-          </a:lnRef>
-          <a:fillRef idx="1">
-            <a:schemeClr val="accent1"/>
-          </a:fillRef>
-          <a:effectRef idx="0">
-            <a:schemeClr val="accent1"/>
-          </a:effectRef>
-          <a:fontRef idx="minor">
-            <a:schemeClr val="lt1"/>
-          </a:fontRef>
-        </p:style>
-        <p:txBody>
-          <a:bodyPr rtlCol="0" anchor="ctr"/>
-          <a:lstStyle/>
-          <a:p>
-            <a:pPr algn="ctr"/>
-            <a:endParaRPr lang="en-US"/>
-          </a:p>
-        </p:txBody>
-      </p:sp>
+        </p:nvGrpSpPr>
+        <p:grpSpPr>
+          <a:xfrm>
+            <a:off x="6911165" y="1403498"/>
+            <a:ext cx="1382230" cy="510362"/>
+            <a:chOff x="6911165" y="1449568"/>
+            <a:chExt cx="1148316" cy="425302"/>
+          </a:xfrm>
+        </p:grpSpPr>
+        <p:cxnSp>
+          <p:nvCxnSpPr>
+            <p:cNvPr id="6" name="Straight Connector 5">
+              <a:extLst>
+                <a:ext uri="{FF2B5EF4-FFF2-40B4-BE49-F238E27FC236}">
+                  <a16:creationId xmlns:a16="http://schemas.microsoft.com/office/drawing/2014/main" id="{FC13330E-D8DD-8E48-96C4-B2CF0044D733}"/>
+                </a:ext>
+              </a:extLst>
+            </p:cNvPr>
+            <p:cNvCxnSpPr/>
+            <p:nvPr/>
+          </p:nvCxnSpPr>
+          <p:spPr>
+            <a:xfrm>
+              <a:off x="6932430" y="1477924"/>
+              <a:ext cx="0" cy="393405"/>
+            </a:xfrm>
+            <a:prstGeom prst="line">
+              <a:avLst/>
+            </a:prstGeom>
+            <a:ln w="28575">
+              <a:solidFill>
+                <a:schemeClr val="tx1"/>
+              </a:solidFill>
+            </a:ln>
+          </p:spPr>
+          <p:style>
+            <a:lnRef idx="1">
+              <a:schemeClr val="accent1"/>
+            </a:lnRef>
+            <a:fillRef idx="0">
+              <a:schemeClr val="accent1"/>
+            </a:fillRef>
+            <a:effectRef idx="0">
+              <a:schemeClr val="accent1"/>
+            </a:effectRef>
+            <a:fontRef idx="minor">
+              <a:schemeClr val="tx1"/>
+            </a:fontRef>
+          </p:style>
+        </p:cxnSp>
+        <p:sp>
+          <p:nvSpPr>
+            <p:cNvPr id="7" name="Rectangle 6">
+              <a:extLst>
+                <a:ext uri="{FF2B5EF4-FFF2-40B4-BE49-F238E27FC236}">
+                  <a16:creationId xmlns:a16="http://schemas.microsoft.com/office/drawing/2014/main" id="{68A85D0F-9900-2A4C-8CCA-22185A2AE064}"/>
+                </a:ext>
+              </a:extLst>
+            </p:cNvPr>
+            <p:cNvSpPr/>
+            <p:nvPr/>
+          </p:nvSpPr>
+          <p:spPr>
+            <a:xfrm>
+              <a:off x="6911165" y="1467292"/>
+              <a:ext cx="1148316" cy="382772"/>
+            </a:xfrm>
+            <a:prstGeom prst="rect">
+              <a:avLst/>
+            </a:prstGeom>
+            <a:solidFill>
+              <a:schemeClr val="bg1"/>
+            </a:solidFill>
+            <a:ln w="28575">
+              <a:solidFill>
+                <a:schemeClr val="tx1"/>
+              </a:solidFill>
+            </a:ln>
+          </p:spPr>
+          <p:style>
+            <a:lnRef idx="2">
+              <a:schemeClr val="accent1">
+                <a:shade val="50000"/>
+              </a:schemeClr>
+            </a:lnRef>
+            <a:fillRef idx="1">
+              <a:schemeClr val="accent1"/>
+            </a:fillRef>
+            <a:effectRef idx="0">
+              <a:schemeClr val="accent1"/>
+            </a:effectRef>
+            <a:fontRef idx="minor">
+              <a:schemeClr val="lt1"/>
+            </a:fontRef>
+          </p:style>
+          <p:txBody>
+            <a:bodyPr rtlCol="0" anchor="ctr"/>
+            <a:lstStyle/>
+            <a:p>
+              <a:pPr algn="ctr"/>
+              <a:endParaRPr lang="en-US"/>
+            </a:p>
+          </p:txBody>
+        </p:sp>
+        <p:cxnSp>
+          <p:nvCxnSpPr>
+            <p:cNvPr id="11" name="Straight Connector 10">
+              <a:extLst>
+                <a:ext uri="{FF2B5EF4-FFF2-40B4-BE49-F238E27FC236}">
+                  <a16:creationId xmlns:a16="http://schemas.microsoft.com/office/drawing/2014/main" id="{6D65691A-CB88-C649-8276-9B3CCAFF5AAB}"/>
+                </a:ext>
+              </a:extLst>
+            </p:cNvPr>
+            <p:cNvCxnSpPr/>
+            <p:nvPr/>
+          </p:nvCxnSpPr>
+          <p:spPr>
+            <a:xfrm>
+              <a:off x="7081286" y="1456659"/>
+              <a:ext cx="0" cy="414670"/>
+            </a:xfrm>
+            <a:prstGeom prst="line">
+              <a:avLst/>
+            </a:prstGeom>
+            <a:ln w="25400">
+              <a:solidFill>
+                <a:schemeClr val="tx1"/>
+              </a:solidFill>
+            </a:ln>
+          </p:spPr>
+          <p:style>
+            <a:lnRef idx="1">
+              <a:schemeClr val="accent1"/>
+            </a:lnRef>
+            <a:fillRef idx="0">
+              <a:schemeClr val="accent1"/>
+            </a:fillRef>
+            <a:effectRef idx="0">
+              <a:schemeClr val="accent1"/>
+            </a:effectRef>
+            <a:fontRef idx="minor">
+              <a:schemeClr val="tx1"/>
+            </a:fontRef>
+          </p:style>
+        </p:cxnSp>
+        <p:cxnSp>
+          <p:nvCxnSpPr>
+            <p:cNvPr id="12" name="Straight Connector 11">
+              <a:extLst>
+                <a:ext uri="{FF2B5EF4-FFF2-40B4-BE49-F238E27FC236}">
+                  <a16:creationId xmlns:a16="http://schemas.microsoft.com/office/drawing/2014/main" id="{CFDA31DE-B2CB-FF44-991D-6918E7E1098F}"/>
+                </a:ext>
+              </a:extLst>
+            </p:cNvPr>
+            <p:cNvCxnSpPr>
+              <a:cxnSpLocks/>
+            </p:cNvCxnSpPr>
+            <p:nvPr/>
+          </p:nvCxnSpPr>
+          <p:spPr>
+            <a:xfrm>
+              <a:off x="7254952" y="1470831"/>
+              <a:ext cx="0" cy="400498"/>
+            </a:xfrm>
+            <a:prstGeom prst="line">
+              <a:avLst/>
+            </a:prstGeom>
+            <a:ln w="25400">
+              <a:solidFill>
+                <a:schemeClr val="tx1"/>
+              </a:solidFill>
+            </a:ln>
+          </p:spPr>
+          <p:style>
+            <a:lnRef idx="1">
+              <a:schemeClr val="accent1"/>
+            </a:lnRef>
+            <a:fillRef idx="0">
+              <a:schemeClr val="accent1"/>
+            </a:fillRef>
+            <a:effectRef idx="0">
+              <a:schemeClr val="accent1"/>
+            </a:effectRef>
+            <a:fontRef idx="minor">
+              <a:schemeClr val="tx1"/>
+            </a:fontRef>
+          </p:style>
+        </p:cxnSp>
+        <p:cxnSp>
+          <p:nvCxnSpPr>
+            <p:cNvPr id="13" name="Straight Connector 12">
+              <a:extLst>
+                <a:ext uri="{FF2B5EF4-FFF2-40B4-BE49-F238E27FC236}">
+                  <a16:creationId xmlns:a16="http://schemas.microsoft.com/office/drawing/2014/main" id="{355217B4-2F1C-D74A-B0C7-3A0217E47FE1}"/>
+                </a:ext>
+              </a:extLst>
+            </p:cNvPr>
+            <p:cNvCxnSpPr>
+              <a:cxnSpLocks/>
+            </p:cNvCxnSpPr>
+            <p:nvPr/>
+          </p:nvCxnSpPr>
+          <p:spPr>
+            <a:xfrm>
+              <a:off x="7435701" y="1470832"/>
+              <a:ext cx="0" cy="379232"/>
+            </a:xfrm>
+            <a:prstGeom prst="line">
+              <a:avLst/>
+            </a:prstGeom>
+            <a:ln w="25400">
+              <a:solidFill>
+                <a:schemeClr val="tx1"/>
+              </a:solidFill>
+            </a:ln>
+          </p:spPr>
+          <p:style>
+            <a:lnRef idx="1">
+              <a:schemeClr val="accent1"/>
+            </a:lnRef>
+            <a:fillRef idx="0">
+              <a:schemeClr val="accent1"/>
+            </a:fillRef>
+            <a:effectRef idx="0">
+              <a:schemeClr val="accent1"/>
+            </a:effectRef>
+            <a:fontRef idx="minor">
+              <a:schemeClr val="tx1"/>
+            </a:fontRef>
+          </p:style>
+        </p:cxnSp>
+        <p:cxnSp>
+          <p:nvCxnSpPr>
+            <p:cNvPr id="14" name="Straight Connector 13">
+              <a:extLst>
+                <a:ext uri="{FF2B5EF4-FFF2-40B4-BE49-F238E27FC236}">
+                  <a16:creationId xmlns:a16="http://schemas.microsoft.com/office/drawing/2014/main" id="{29B73EA7-F456-F14B-A35D-02A499F6E065}"/>
+                </a:ext>
+              </a:extLst>
+            </p:cNvPr>
+            <p:cNvCxnSpPr/>
+            <p:nvPr/>
+          </p:nvCxnSpPr>
+          <p:spPr>
+            <a:xfrm>
+              <a:off x="7605821" y="1449568"/>
+              <a:ext cx="0" cy="414670"/>
+            </a:xfrm>
+            <a:prstGeom prst="line">
+              <a:avLst/>
+            </a:prstGeom>
+            <a:ln w="25400">
+              <a:solidFill>
+                <a:schemeClr val="tx1"/>
+              </a:solidFill>
+            </a:ln>
+          </p:spPr>
+          <p:style>
+            <a:lnRef idx="1">
+              <a:schemeClr val="accent1"/>
+            </a:lnRef>
+            <a:fillRef idx="0">
+              <a:schemeClr val="accent1"/>
+            </a:fillRef>
+            <a:effectRef idx="0">
+              <a:schemeClr val="accent1"/>
+            </a:effectRef>
+            <a:fontRef idx="minor">
+              <a:schemeClr val="tx1"/>
+            </a:fontRef>
+          </p:style>
+        </p:cxnSp>
+        <p:cxnSp>
+          <p:nvCxnSpPr>
+            <p:cNvPr id="15" name="Straight Connector 14">
+              <a:extLst>
+                <a:ext uri="{FF2B5EF4-FFF2-40B4-BE49-F238E27FC236}">
+                  <a16:creationId xmlns:a16="http://schemas.microsoft.com/office/drawing/2014/main" id="{81BB4779-C84D-9244-B519-D9A227B227EB}"/>
+                </a:ext>
+              </a:extLst>
+            </p:cNvPr>
+            <p:cNvCxnSpPr>
+              <a:cxnSpLocks/>
+            </p:cNvCxnSpPr>
+            <p:nvPr/>
+          </p:nvCxnSpPr>
+          <p:spPr>
+            <a:xfrm>
+              <a:off x="7779487" y="1463740"/>
+              <a:ext cx="0" cy="396957"/>
+            </a:xfrm>
+            <a:prstGeom prst="line">
+              <a:avLst/>
+            </a:prstGeom>
+            <a:ln w="25400">
+              <a:solidFill>
+                <a:schemeClr val="tx1"/>
+              </a:solidFill>
+            </a:ln>
+          </p:spPr>
+          <p:style>
+            <a:lnRef idx="1">
+              <a:schemeClr val="accent1"/>
+            </a:lnRef>
+            <a:fillRef idx="0">
+              <a:schemeClr val="accent1"/>
+            </a:fillRef>
+            <a:effectRef idx="0">
+              <a:schemeClr val="accent1"/>
+            </a:effectRef>
+            <a:fontRef idx="minor">
+              <a:schemeClr val="tx1"/>
+            </a:fontRef>
+          </p:style>
+        </p:cxnSp>
+        <p:cxnSp>
+          <p:nvCxnSpPr>
+            <p:cNvPr id="16" name="Straight Connector 15">
+              <a:extLst>
+                <a:ext uri="{FF2B5EF4-FFF2-40B4-BE49-F238E27FC236}">
+                  <a16:creationId xmlns:a16="http://schemas.microsoft.com/office/drawing/2014/main" id="{AEBA9156-0478-B04B-AE71-48934DAA0430}"/>
+                </a:ext>
+              </a:extLst>
+            </p:cNvPr>
+            <p:cNvCxnSpPr/>
+            <p:nvPr/>
+          </p:nvCxnSpPr>
+          <p:spPr>
+            <a:xfrm>
+              <a:off x="7935440" y="1460200"/>
+              <a:ext cx="0" cy="414670"/>
+            </a:xfrm>
+            <a:prstGeom prst="line">
+              <a:avLst/>
+            </a:prstGeom>
+            <a:ln w="25400">
+              <a:solidFill>
+                <a:schemeClr val="tx1"/>
+              </a:solidFill>
+            </a:ln>
+          </p:spPr>
+          <p:style>
+            <a:lnRef idx="1">
+              <a:schemeClr val="accent1"/>
+            </a:lnRef>
+            <a:fillRef idx="0">
+              <a:schemeClr val="accent1"/>
+            </a:fillRef>
+            <a:effectRef idx="0">
+              <a:schemeClr val="accent1"/>
+            </a:effectRef>
+            <a:fontRef idx="minor">
+              <a:schemeClr val="tx1"/>
+            </a:fontRef>
+          </p:style>
+        </p:cxnSp>
+      </p:grpSp>
     </p:spTree>
     <p:extLst>
       <p:ext uri="{BB962C8B-B14F-4D97-AF65-F5344CB8AC3E}">

--- a/assets/tactile_image_files/0025-passive_continental_margin/0025-passive_continental_margin.pptx
+++ b/assets/tactile_image_files/0025-passive_continental_margin/0025-passive_continental_margin.pptx
@@ -198,7 +198,7 @@
           </a:lstStyle>
           <a:p>
             <a:fld id="{DC880F74-5F87-E94E-8AEF-72C270124CC0}" type="datetimeFigureOut">
-              <a:t>1/8/21</a:t>
+              <a:t>7/13/21</a:t>
             </a:fld>
             <a:endParaRPr lang="en-US"/>
           </a:p>
@@ -603,7 +603,7 @@
           <a:p>
             <a:fld id="{E796F801-3BB8-A247-923B-F07F1B58D38A}" type="datetimeFigureOut">
               <a:rPr lang="en-US" smtClean="0"/>
-              <a:t>1/8/21</a:t>
+              <a:t>7/13/21</a:t>
             </a:fld>
             <a:endParaRPr lang="en-US"/>
           </a:p>
@@ -783,7 +783,7 @@
           <a:p>
             <a:fld id="{E796F801-3BB8-A247-923B-F07F1B58D38A}" type="datetimeFigureOut">
               <a:rPr lang="en-US" smtClean="0"/>
-              <a:t>1/8/21</a:t>
+              <a:t>7/13/21</a:t>
             </a:fld>
             <a:endParaRPr lang="en-US"/>
           </a:p>
@@ -953,7 +953,7 @@
           <a:p>
             <a:fld id="{E796F801-3BB8-A247-923B-F07F1B58D38A}" type="datetimeFigureOut">
               <a:rPr lang="en-US" smtClean="0"/>
-              <a:t>1/8/21</a:t>
+              <a:t>7/13/21</a:t>
             </a:fld>
             <a:endParaRPr lang="en-US"/>
           </a:p>
@@ -1197,7 +1197,7 @@
           <a:p>
             <a:fld id="{E796F801-3BB8-A247-923B-F07F1B58D38A}" type="datetimeFigureOut">
               <a:rPr lang="en-US" smtClean="0"/>
-              <a:t>1/8/21</a:t>
+              <a:t>7/13/21</a:t>
             </a:fld>
             <a:endParaRPr lang="en-US"/>
           </a:p>
@@ -1429,7 +1429,7 @@
           <a:p>
             <a:fld id="{E796F801-3BB8-A247-923B-F07F1B58D38A}" type="datetimeFigureOut">
               <a:rPr lang="en-US" smtClean="0"/>
-              <a:t>1/8/21</a:t>
+              <a:t>7/13/21</a:t>
             </a:fld>
             <a:endParaRPr lang="en-US"/>
           </a:p>
@@ -1796,7 +1796,7 @@
           <a:p>
             <a:fld id="{E796F801-3BB8-A247-923B-F07F1B58D38A}" type="datetimeFigureOut">
               <a:rPr lang="en-US" smtClean="0"/>
-              <a:t>1/8/21</a:t>
+              <a:t>7/13/21</a:t>
             </a:fld>
             <a:endParaRPr lang="en-US"/>
           </a:p>
@@ -1914,7 +1914,7 @@
           <a:p>
             <a:fld id="{E796F801-3BB8-A247-923B-F07F1B58D38A}" type="datetimeFigureOut">
               <a:rPr lang="en-US" smtClean="0"/>
-              <a:t>1/8/21</a:t>
+              <a:t>7/13/21</a:t>
             </a:fld>
             <a:endParaRPr lang="en-US"/>
           </a:p>
@@ -2009,7 +2009,7 @@
           <a:p>
             <a:fld id="{E796F801-3BB8-A247-923B-F07F1B58D38A}" type="datetimeFigureOut">
               <a:rPr lang="en-US" smtClean="0"/>
-              <a:t>1/8/21</a:t>
+              <a:t>7/13/21</a:t>
             </a:fld>
             <a:endParaRPr lang="en-US"/>
           </a:p>
@@ -2286,7 +2286,7 @@
           <a:p>
             <a:fld id="{E796F801-3BB8-A247-923B-F07F1B58D38A}" type="datetimeFigureOut">
               <a:rPr lang="en-US" smtClean="0"/>
-              <a:t>1/8/21</a:t>
+              <a:t>7/13/21</a:t>
             </a:fld>
             <a:endParaRPr lang="en-US"/>
           </a:p>
@@ -2543,7 +2543,7 @@
           <a:p>
             <a:fld id="{E796F801-3BB8-A247-923B-F07F1B58D38A}" type="datetimeFigureOut">
               <a:rPr lang="en-US" smtClean="0"/>
-              <a:t>1/8/21</a:t>
+              <a:t>7/13/21</a:t>
             </a:fld>
             <a:endParaRPr lang="en-US"/>
           </a:p>
@@ -2756,7 +2756,7 @@
           <a:p>
             <a:fld id="{E796F801-3BB8-A247-923B-F07F1B58D38A}" type="datetimeFigureOut">
               <a:rPr lang="en-US" smtClean="0"/>
-              <a:t>1/8/21</a:t>
+              <a:t>7/13/21</a:t>
             </a:fld>
             <a:endParaRPr lang="en-US"/>
           </a:p>
@@ -3298,7 +3298,7 @@
         </p:nvSpPr>
         <p:spPr>
           <a:xfrm>
-            <a:off x="1948928" y="1318440"/>
+            <a:off x="1948928" y="1007875"/>
             <a:ext cx="1198309" cy="307777"/>
           </a:xfrm>
           <a:prstGeom prst="rect">
@@ -3336,7 +3336,7 @@
         </p:nvSpPr>
         <p:spPr>
           <a:xfrm>
-            <a:off x="4217206" y="1290086"/>
+            <a:off x="4200428" y="1012931"/>
             <a:ext cx="1800821" cy="307777"/>
           </a:xfrm>
           <a:prstGeom prst="rect">
@@ -3448,7 +3448,7 @@
         </p:blipFill>
         <p:spPr>
           <a:xfrm>
-            <a:off x="1169575" y="1679945"/>
+            <a:off x="1169575" y="1388823"/>
             <a:ext cx="6949577" cy="4912242"/>
           </a:xfrm>
           <a:prstGeom prst="rect">
@@ -3472,8 +3472,8 @@
         </p:nvCxnSpPr>
         <p:spPr>
           <a:xfrm>
-            <a:off x="1467289" y="1676707"/>
-            <a:ext cx="2009554" cy="1"/>
+            <a:off x="1467289" y="1385585"/>
+            <a:ext cx="1881313" cy="0"/>
           </a:xfrm>
           <a:prstGeom prst="straightConnector1">
             <a:avLst/>
@@ -3517,7 +3517,7 @@
         </p:nvCxnSpPr>
         <p:spPr>
           <a:xfrm flipH="1">
-            <a:off x="3455578" y="1679944"/>
+            <a:off x="3455578" y="1388822"/>
             <a:ext cx="3221665" cy="0"/>
           </a:xfrm>
           <a:prstGeom prst="straightConnector1">
@@ -3560,7 +3560,7 @@
         </p:nvSpPr>
         <p:spPr>
           <a:xfrm>
-            <a:off x="1084522" y="2062715"/>
+            <a:off x="1084522" y="1771593"/>
             <a:ext cx="255182" cy="3838353"/>
           </a:xfrm>
           <a:prstGeom prst="leftBrace">
@@ -3656,7 +3656,7 @@
           </a:p>
         </p:txBody>
       </p:sp>
-      <p:sp>
+      <p:sp useBgFill="1">
         <p:nvSpPr>
           <p:cNvPr id="25" name="TextBox 24">
             <a:extLst>
@@ -3670,15 +3670,12 @@
         </p:nvSpPr>
         <p:spPr>
           <a:xfrm>
-            <a:off x="2039130" y="4224671"/>
+            <a:off x="1948928" y="4052381"/>
             <a:ext cx="1677062" cy="307777"/>
           </a:xfrm>
           <a:prstGeom prst="rect">
             <a:avLst/>
           </a:prstGeom>
-          <a:solidFill>
-            <a:schemeClr val="bg1"/>
-          </a:solidFill>
         </p:spPr>
         <p:txBody>
           <a:bodyPr wrap="none" rtlCol="0">
@@ -3687,7 +3684,7 @@
           <a:lstStyle/>
           <a:p>
             <a:r>
-              <a:rPr lang="en-US" sz="1400">
+              <a:rPr lang="en-US" sz="1400" dirty="0">
                 <a:latin typeface="Arial" panose="020B0604020202020204" pitchFamily="34" charset="0"/>
                 <a:cs typeface="Arial" panose="020B0604020202020204" pitchFamily="34" charset="0"/>
               </a:rPr>
@@ -3710,7 +3707,7 @@
         </p:nvSpPr>
         <p:spPr>
           <a:xfrm>
-            <a:off x="1860694" y="2445488"/>
+            <a:off x="1698406" y="2111476"/>
             <a:ext cx="1487908" cy="307777"/>
           </a:xfrm>
           <a:prstGeom prst="rect">
@@ -3725,7 +3722,7 @@
           <a:lstStyle/>
           <a:p>
             <a:r>
-              <a:rPr lang="en-US" sz="1400">
+              <a:rPr lang="en-US" sz="1400" dirty="0">
                 <a:latin typeface="Arial" panose="020B0604020202020204" pitchFamily="34" charset="0"/>
                 <a:cs typeface="Arial" panose="020B0604020202020204" pitchFamily="34" charset="0"/>
               </a:rPr>
@@ -3748,7 +3745,7 @@
         </p:nvSpPr>
         <p:spPr>
           <a:xfrm>
-            <a:off x="1566528" y="3129518"/>
+            <a:off x="1566528" y="2801993"/>
             <a:ext cx="631904" cy="307777"/>
           </a:xfrm>
           <a:prstGeom prst="rect">
@@ -3772,7 +3769,7 @@
           </a:p>
         </p:txBody>
       </p:sp>
-      <p:sp>
+      <p:sp useBgFill="1">
         <p:nvSpPr>
           <p:cNvPr id="28" name="TextBox 27">
             <a:extLst>
@@ -3786,15 +3783,12 @@
         </p:nvSpPr>
         <p:spPr>
           <a:xfrm>
-            <a:off x="5114589" y="5656521"/>
+            <a:off x="5104110" y="5401508"/>
             <a:ext cx="2328943" cy="307777"/>
           </a:xfrm>
           <a:prstGeom prst="rect">
             <a:avLst/>
           </a:prstGeom>
-          <a:solidFill>
-            <a:schemeClr val="bg1"/>
-          </a:solidFill>
         </p:spPr>
         <p:txBody>
           <a:bodyPr wrap="square" rtlCol="0">
@@ -3803,11 +3797,18 @@
           <a:lstStyle/>
           <a:p>
             <a:r>
-              <a:rPr lang="en-US" sz="1400">
+              <a:rPr lang="en-US" sz="1400" dirty="0" err="1">
                 <a:latin typeface="Arial" panose="020B0604020202020204" pitchFamily="34" charset="0"/>
                 <a:cs typeface="Arial" panose="020B0604020202020204" pitchFamily="34" charset="0"/>
               </a:rPr>
-              <a:t>asthenospheric mantle</a:t>
+              <a:t>asthenospheric</a:t>
+            </a:r>
+            <a:r>
+              <a:rPr lang="en-US" sz="1400" dirty="0">
+                <a:latin typeface="Arial" panose="020B0604020202020204" pitchFamily="34" charset="0"/>
+                <a:cs typeface="Arial" panose="020B0604020202020204" pitchFamily="34" charset="0"/>
+              </a:rPr>
+              <a:t> mantle</a:t>
             </a:r>
           </a:p>
         </p:txBody>
@@ -3826,7 +3827,7 @@
         </p:nvSpPr>
         <p:spPr>
           <a:xfrm>
-            <a:off x="7201412" y="1212113"/>
+            <a:off x="7191973" y="944817"/>
             <a:ext cx="1081349" cy="523220"/>
           </a:xfrm>
           <a:prstGeom prst="rect">
@@ -3841,7 +3842,7 @@
           <a:lstStyle/>
           <a:p>
             <a:r>
-              <a:rPr lang="en-US" sz="1400">
+              <a:rPr lang="en-US" sz="1400" dirty="0">
                 <a:latin typeface="Arial" panose="020B0604020202020204" pitchFamily="34" charset="0"/>
                 <a:cs typeface="Arial" panose="020B0604020202020204" pitchFamily="34" charset="0"/>
               </a:rPr>
@@ -3863,9 +3864,9 @@
           <p:nvPr/>
         </p:nvSpPr>
         <p:spPr>
-          <a:xfrm rot="16200000">
-            <a:off x="-357475" y="3763630"/>
-            <a:ext cx="2391166" cy="307777"/>
+          <a:xfrm>
+            <a:off x="624847" y="3536880"/>
+            <a:ext cx="502202" cy="307777"/>
           </a:xfrm>
           <a:prstGeom prst="rect">
             <a:avLst/>
@@ -3879,11 +3880,11 @@
           <a:lstStyle/>
           <a:p>
             <a:r>
-              <a:rPr lang="en-US" sz="1400">
+              <a:rPr lang="en-US" sz="1400" dirty="0">
                 <a:latin typeface="Arial" panose="020B0604020202020204" pitchFamily="34" charset="0"/>
                 <a:cs typeface="Arial" panose="020B0604020202020204" pitchFamily="34" charset="0"/>
               </a:rPr>
-              <a:t>continental lithosphere</a:t>
+              <a:t>cl</a:t>
             </a:r>
           </a:p>
         </p:txBody>
@@ -3901,9 +3902,9 @@
           <p:nvPr/>
         </p:nvSpPr>
         <p:spPr>
-          <a:xfrm rot="5400000">
-            <a:off x="7301511" y="3788438"/>
-            <a:ext cx="2391166" cy="307777"/>
+          <a:xfrm>
+            <a:off x="8363695" y="3520225"/>
+            <a:ext cx="399580" cy="307777"/>
           </a:xfrm>
           <a:prstGeom prst="rect">
             <a:avLst/>
@@ -3917,56 +3918,19 @@
           <a:lstStyle/>
           <a:p>
             <a:r>
-              <a:rPr lang="en-US" sz="1400">
+              <a:rPr lang="en-US" sz="1400" dirty="0" err="1">
                 <a:latin typeface="Arial" panose="020B0604020202020204" pitchFamily="34" charset="0"/>
                 <a:cs typeface="Arial" panose="020B0604020202020204" pitchFamily="34" charset="0"/>
               </a:rPr>
-              <a:t>oceanic lithosphere</a:t>
-            </a:r>
-          </a:p>
-        </p:txBody>
-      </p:sp>
-      <p:cxnSp>
-        <p:nvCxnSpPr>
-          <p:cNvPr id="3" name="Straight Connector 2">
-            <a:extLst>
-              <a:ext uri="{FF2B5EF4-FFF2-40B4-BE49-F238E27FC236}">
-                <a16:creationId xmlns:a16="http://schemas.microsoft.com/office/drawing/2014/main" id="{6A449CEC-3E23-D74D-928F-9854A24A8B02}"/>
-              </a:ext>
-            </a:extLst>
-          </p:cNvPr>
-          <p:cNvCxnSpPr/>
-          <p:nvPr/>
-        </p:nvCxnSpPr>
-        <p:spPr>
-          <a:xfrm>
-            <a:off x="6762307" y="2466753"/>
-            <a:ext cx="0" cy="393405"/>
-          </a:xfrm>
-          <a:prstGeom prst="line">
-            <a:avLst/>
-          </a:prstGeom>
-          <a:ln w="28575">
-            <a:solidFill>
-              <a:schemeClr val="tx1"/>
-            </a:solidFill>
-          </a:ln>
-        </p:spPr>
-        <p:style>
-          <a:lnRef idx="1">
-            <a:schemeClr val="accent1"/>
-          </a:lnRef>
-          <a:fillRef idx="0">
-            <a:schemeClr val="accent1"/>
-          </a:fillRef>
-          <a:effectRef idx="0">
-            <a:schemeClr val="accent1"/>
-          </a:effectRef>
-          <a:fontRef idx="minor">
-            <a:schemeClr val="tx1"/>
-          </a:fontRef>
-        </p:style>
-      </p:cxnSp>
+              <a:t>ol</a:t>
+            </a:r>
+            <a:endParaRPr lang="en-US" sz="1400" dirty="0">
+              <a:latin typeface="Arial" panose="020B0604020202020204" pitchFamily="34" charset="0"/>
+              <a:cs typeface="Arial" panose="020B0604020202020204" pitchFamily="34" charset="0"/>
+            </a:endParaRPr>
+          </a:p>
+        </p:txBody>
+      </p:sp>
       <p:sp>
         <p:nvSpPr>
           <p:cNvPr id="4" name="Rectangle 3">
@@ -3981,7 +3945,7 @@
         </p:nvSpPr>
         <p:spPr>
           <a:xfrm>
-            <a:off x="6741042" y="2456121"/>
+            <a:off x="6741042" y="2164999"/>
             <a:ext cx="1148316" cy="382772"/>
           </a:xfrm>
           <a:prstGeom prst="rect">
@@ -4037,8 +4001,8 @@
         </p:nvCxnSpPr>
         <p:spPr>
           <a:xfrm flipH="1">
-            <a:off x="7325833" y="1736651"/>
-            <a:ext cx="184297" cy="698205"/>
+            <a:off x="7325833" y="1445529"/>
+            <a:ext cx="184298" cy="648480"/>
           </a:xfrm>
           <a:prstGeom prst="straightConnector1">
             <a:avLst/>
@@ -4080,7 +4044,7 @@
         </p:nvCxnSpPr>
         <p:spPr>
           <a:xfrm>
-            <a:off x="6911163" y="2445488"/>
+            <a:off x="6911163" y="2154366"/>
             <a:ext cx="0" cy="414670"/>
           </a:xfrm>
           <a:prstGeom prst="line">
@@ -4123,7 +4087,7 @@
         </p:nvCxnSpPr>
         <p:spPr>
           <a:xfrm>
-            <a:off x="7084829" y="2459660"/>
+            <a:off x="7084829" y="2168538"/>
             <a:ext cx="0" cy="400498"/>
           </a:xfrm>
           <a:prstGeom prst="line">
@@ -4166,7 +4130,7 @@
         </p:nvCxnSpPr>
         <p:spPr>
           <a:xfrm>
-            <a:off x="7265578" y="2459661"/>
+            <a:off x="7265578" y="2168539"/>
             <a:ext cx="0" cy="379232"/>
           </a:xfrm>
           <a:prstGeom prst="line">
@@ -4207,7 +4171,7 @@
         </p:nvCxnSpPr>
         <p:spPr>
           <a:xfrm>
-            <a:off x="7435698" y="2438397"/>
+            <a:off x="7443532" y="2153058"/>
             <a:ext cx="0" cy="414670"/>
           </a:xfrm>
           <a:prstGeom prst="line">
@@ -4250,7 +4214,7 @@
         </p:nvCxnSpPr>
         <p:spPr>
           <a:xfrm>
-            <a:off x="7609364" y="2452569"/>
+            <a:off x="7609364" y="2161447"/>
             <a:ext cx="0" cy="396957"/>
           </a:xfrm>
           <a:prstGeom prst="line">
@@ -4291,7 +4255,7 @@
         </p:nvCxnSpPr>
         <p:spPr>
           <a:xfrm>
-            <a:off x="7765317" y="2449029"/>
+            <a:off x="7765317" y="2157907"/>
             <a:ext cx="0" cy="414670"/>
           </a:xfrm>
           <a:prstGeom prst="line">
@@ -4318,6 +4282,78 @@
           </a:fontRef>
         </p:style>
       </p:cxnSp>
+      <p:sp>
+        <p:nvSpPr>
+          <p:cNvPr id="5" name="TextBox 4">
+            <a:extLst>
+              <a:ext uri="{FF2B5EF4-FFF2-40B4-BE49-F238E27FC236}">
+                <a16:creationId xmlns:a16="http://schemas.microsoft.com/office/drawing/2014/main" id="{2F4BC941-5F44-437D-9C5E-3B5A8A93E293}"/>
+              </a:ext>
+            </a:extLst>
+          </p:cNvPr>
+          <p:cNvSpPr txBox="1"/>
+          <p:nvPr/>
+        </p:nvSpPr>
+        <p:spPr>
+          <a:xfrm>
+            <a:off x="289312" y="6221851"/>
+            <a:ext cx="4795807" cy="523220"/>
+          </a:xfrm>
+          <a:prstGeom prst="rect">
+            <a:avLst/>
+          </a:prstGeom>
+          <a:noFill/>
+        </p:spPr>
+        <p:txBody>
+          <a:bodyPr wrap="square" rtlCol="0">
+            <a:spAutoFit/>
+          </a:bodyPr>
+          <a:lstStyle/>
+          <a:p>
+            <a:r>
+              <a:rPr lang="en-US" sz="1400" dirty="0">
+                <a:latin typeface="Arial" panose="020B0604020202020204" pitchFamily="34" charset="0"/>
+                <a:cs typeface="Arial" panose="020B0604020202020204" pitchFamily="34" charset="0"/>
+              </a:rPr>
+              <a:t>Key: cl continental lithosphere</a:t>
+            </a:r>
+          </a:p>
+          <a:p>
+            <a:r>
+              <a:rPr lang="en-US" sz="1400" dirty="0">
+                <a:latin typeface="Arial" panose="020B0604020202020204" pitchFamily="34" charset="0"/>
+                <a:cs typeface="Arial" panose="020B0604020202020204" pitchFamily="34" charset="0"/>
+              </a:rPr>
+              <a:t>        </a:t>
+            </a:r>
+            <a:r>
+              <a:rPr lang="en-US" sz="1400" dirty="0" err="1">
+                <a:latin typeface="Arial" panose="020B0604020202020204" pitchFamily="34" charset="0"/>
+                <a:cs typeface="Arial" panose="020B0604020202020204" pitchFamily="34" charset="0"/>
+              </a:rPr>
+              <a:t>ol</a:t>
+            </a:r>
+            <a:r>
+              <a:rPr lang="en-US" sz="1400" dirty="0">
+                <a:latin typeface="Arial" panose="020B0604020202020204" pitchFamily="34" charset="0"/>
+                <a:cs typeface="Arial" panose="020B0604020202020204" pitchFamily="34" charset="0"/>
+              </a:rPr>
+              <a:t> oceanic </a:t>
+            </a:r>
+            <a:r>
+              <a:rPr lang="en-US" sz="1400" dirty="0" err="1">
+                <a:latin typeface="Arial" panose="020B0604020202020204" pitchFamily="34" charset="0"/>
+                <a:cs typeface="Arial" panose="020B0604020202020204" pitchFamily="34" charset="0"/>
+              </a:rPr>
+              <a:t>litohsphere</a:t>
+            </a:r>
+            <a:endParaRPr lang="en-US" sz="1400" dirty="0">
+              <a:latin typeface="Arial" panose="020B0604020202020204" pitchFamily="34" charset="0"/>
+              <a:cs typeface="Arial" panose="020B0604020202020204" pitchFamily="34" charset="0"/>
+            </a:endParaRPr>
+          </a:p>
+        </p:txBody>
+      </p:sp>
     </p:spTree>
     <p:extLst>
       <p:ext uri="{BB962C8B-B14F-4D97-AF65-F5344CB8AC3E}">
@@ -4362,7 +4398,7 @@
         </p:nvCxnSpPr>
         <p:spPr>
           <a:xfrm>
-            <a:off x="8518615" y="49533"/>
+            <a:off x="8492900" y="32235"/>
             <a:ext cx="608575" cy="608576"/>
           </a:xfrm>
           <a:prstGeom prst="line">
@@ -4404,7 +4440,7 @@
         </p:nvSpPr>
         <p:spPr>
           <a:xfrm rot="13228796" flipH="1">
-            <a:off x="8646843" y="164291"/>
+            <a:off x="8689367" y="45811"/>
             <a:ext cx="380261" cy="369332"/>
           </a:xfrm>
           <a:prstGeom prst="rect">
@@ -4419,7 +4455,7 @@
           <a:lstStyle/>
           <a:p>
             <a:r>
-              <a:rPr lang="en-US"/>
+              <a:rPr lang="en-US" dirty="0"/>
               <a:t>✄ </a:t>
             </a:r>
           </a:p>
@@ -4439,7 +4475,7 @@
         </p:nvSpPr>
         <p:spPr>
           <a:xfrm flipH="1">
-            <a:off x="1562987" y="318341"/>
+            <a:off x="1562987" y="182647"/>
             <a:ext cx="6124352" cy="461665"/>
           </a:xfrm>
           <a:prstGeom prst="rect">
@@ -4458,12 +4494,12 @@
           <a:p>
             <a:pPr algn="ctr"/>
             <a:r>
-              <a:rPr lang="en-US" sz="2400">
-                <a:latin typeface="Swell Braille" pitchFamily="49"/>
+              <a:rPr lang="en-US" sz="2400" dirty="0">
+                <a:latin typeface="Swell Braille" panose="01010609060101010103" pitchFamily="49" charset="0"/>
                 <a:ea typeface="Braille Normal" charset="0"/>
                 <a:cs typeface="Braille Normal" charset="0"/>
               </a:rPr>
-              <a:t>⠠⠓⠁⠇⠊⠞⠑⠀⠠⠉⠗⠽⠌⠁⠇⠀⠠⠌⠗⠥⠉⠞⠥⠗⠑</a:t>
+              <a:t>,passive ,3t95tal ,m&gt;g9</a:t>
             </a:r>
           </a:p>
         </p:txBody>
@@ -4489,8 +4525,8 @@
         </p:blipFill>
         <p:spPr>
           <a:xfrm>
-            <a:off x="1169575" y="1679945"/>
-            <a:ext cx="6949577" cy="4912242"/>
+            <a:off x="1168057" y="1392248"/>
+            <a:ext cx="6779448" cy="4791988"/>
           </a:xfrm>
           <a:prstGeom prst="rect">
             <a:avLst/>
@@ -4511,8 +4547,8 @@
         </p:nvSpPr>
         <p:spPr>
           <a:xfrm>
-            <a:off x="1520449" y="2509284"/>
-            <a:ext cx="3304110" cy="461665"/>
+            <a:off x="1491809" y="2174797"/>
+            <a:ext cx="2858475" cy="461665"/>
           </a:xfrm>
           <a:prstGeom prst="rect">
             <a:avLst/>
@@ -4526,10 +4562,10 @@
           <a:lstStyle/>
           <a:p>
             <a:r>
-              <a:rPr lang="en-US" sz="2400">
+              <a:rPr lang="en-US" sz="2400" dirty="0">
                 <a:latin typeface="Swell Braille" pitchFamily="49"/>
               </a:rPr>
-              <a:t>⠉⠕⠝⠞⠔⠢⠞⠁⠇⠀⠉⠗⠥⠌</a:t>
+              <a:t>3⠞⠔⠢⠞⠁⠇⠀⠉⠗⠥⠌</a:t>
             </a:r>
           </a:p>
         </p:txBody>
@@ -4548,7 +4584,7 @@
         </p:nvSpPr>
         <p:spPr>
           <a:xfrm>
-            <a:off x="1407035" y="3023192"/>
+            <a:off x="1507703" y="2662465"/>
             <a:ext cx="1346844" cy="461665"/>
           </a:xfrm>
           <a:prstGeom prst="rect">
@@ -4563,7 +4599,7 @@
           <a:lstStyle/>
           <a:p>
             <a:r>
-              <a:rPr lang="en-US" sz="2400">
+              <a:rPr lang="en-US" sz="2400" dirty="0">
                 <a:latin typeface="Swell Braille" pitchFamily="49"/>
               </a:rPr>
               <a:t>⠠⠍⠕⠓⠕</a:t>
@@ -4585,7 +4621,7 @@
         </p:nvSpPr>
         <p:spPr>
           <a:xfrm>
-            <a:off x="7414061" y="1095155"/>
+            <a:off x="7414061" y="835096"/>
             <a:ext cx="1857527" cy="830997"/>
           </a:xfrm>
           <a:prstGeom prst="rect">
@@ -4600,7 +4636,7 @@
           <a:lstStyle/>
           <a:p>
             <a:r>
-              <a:rPr lang="en-US" sz="2400">
+              <a:rPr lang="en-US" sz="2400" dirty="0">
                 <a:latin typeface="Swell Braille" pitchFamily="49"/>
               </a:rPr>
               <a:t>⠕⠉⠂⠝⠊⠉⠀⠉⠗⠥⠌</a:t>
@@ -4608,7 +4644,7 @@
           </a:p>
         </p:txBody>
       </p:sp>
-      <p:sp>
+      <p:sp useBgFill="1">
         <p:nvSpPr>
           <p:cNvPr id="49" name="TextBox 48">
             <a:extLst>
@@ -4622,15 +4658,12 @@
         </p:nvSpPr>
         <p:spPr>
           <a:xfrm>
-            <a:off x="1800440" y="4043918"/>
-            <a:ext cx="4418197" cy="461665"/>
+            <a:off x="1768995" y="3990062"/>
+            <a:ext cx="3972562" cy="461665"/>
           </a:xfrm>
           <a:prstGeom prst="rect">
             <a:avLst/>
           </a:prstGeom>
-          <a:solidFill>
-            <a:schemeClr val="bg1"/>
-          </a:solidFill>
         </p:spPr>
         <p:txBody>
           <a:bodyPr wrap="none" rtlCol="0">
@@ -4639,10 +4672,10 @@
           <a:lstStyle/>
           <a:p>
             <a:r>
-              <a:rPr lang="en-US" sz="2400">
+              <a:rPr lang="en-US" sz="2400" dirty="0">
                 <a:latin typeface="Swell Braille" pitchFamily="49"/>
               </a:rPr>
-              <a:t>⠇⠊⠞⠓⠕⠎⠏⠓⠑⠗⠊⠉⠀⠍⠁⠝⠞⠇⠑</a:t>
+              <a:t>⠇⠊?⠕⠎⠏⠓]⠊⠉⠀⠍⠁⠝⠞⠇⠑</a:t>
             </a:r>
           </a:p>
         </p:txBody>
@@ -4661,7 +4694,7 @@
         </p:nvSpPr>
         <p:spPr>
           <a:xfrm>
-            <a:off x="1598049" y="1137686"/>
+            <a:off x="1598049" y="877627"/>
             <a:ext cx="1931955" cy="461665"/>
           </a:xfrm>
           <a:prstGeom prst="rect">
@@ -4676,10 +4709,10 @@
           <a:lstStyle/>
           <a:p>
             <a:r>
-              <a:rPr lang="en-US" sz="2400">
+              <a:rPr lang="en-US" sz="2400" dirty="0">
                 <a:latin typeface="Swell Braille" pitchFamily="49"/>
               </a:rPr>
-              <a:t>⠉⠕⠝⠞⠔⠢⠞</a:t>
+              <a:t>3⠞⠔⠢⠞</a:t>
             </a:r>
           </a:p>
         </p:txBody>
@@ -4700,8 +4733,8 @@
         </p:nvCxnSpPr>
         <p:spPr>
           <a:xfrm>
-            <a:off x="1467289" y="1676707"/>
-            <a:ext cx="2009554" cy="1"/>
+            <a:off x="1467289" y="1416648"/>
+            <a:ext cx="1854751" cy="3238"/>
           </a:xfrm>
           <a:prstGeom prst="straightConnector1">
             <a:avLst/>
@@ -4743,7 +4776,7 @@
         </p:nvSpPr>
         <p:spPr>
           <a:xfrm>
-            <a:off x="3589882" y="1162495"/>
+            <a:off x="3589882" y="902436"/>
             <a:ext cx="3427603" cy="461665"/>
           </a:xfrm>
           <a:prstGeom prst="rect">
@@ -4758,10 +4791,10 @@
           <a:lstStyle/>
           <a:p>
             <a:r>
-              <a:rPr lang="en-US" sz="2400">
+              <a:rPr lang="en-US" sz="2400" dirty="0">
                 <a:latin typeface="Swell Braille" pitchFamily="49"/>
               </a:rPr>
-              <a:t>⠉⠕⠝⠞⠔⠢⠞⠁⠇⠀⠩⠑⠇⠋</a:t>
+              <a:t>3⠞⠔⠢⠞⠁⠇⠀⠩⠑⠇⠋</a:t>
             </a:r>
           </a:p>
         </p:txBody>
@@ -4782,7 +4815,7 @@
         </p:nvCxnSpPr>
         <p:spPr>
           <a:xfrm flipH="1">
-            <a:off x="3455578" y="1679944"/>
+            <a:off x="3455578" y="1419885"/>
             <a:ext cx="3221665" cy="0"/>
           </a:xfrm>
           <a:prstGeom prst="straightConnector1">
@@ -4825,8 +4858,8 @@
         </p:nvSpPr>
         <p:spPr>
           <a:xfrm>
-            <a:off x="1084522" y="2062715"/>
-            <a:ext cx="255182" cy="3838353"/>
+            <a:off x="1070123" y="1775018"/>
+            <a:ext cx="248935" cy="3761716"/>
           </a:xfrm>
           <a:prstGeom prst="leftBrace">
             <a:avLst>
@@ -4877,7 +4910,7 @@
         </p:nvSpPr>
         <p:spPr>
           <a:xfrm rot="10800000">
-            <a:off x="8009862" y="2502192"/>
+            <a:off x="7875638" y="2149854"/>
             <a:ext cx="255182" cy="2367519"/>
           </a:xfrm>
           <a:prstGeom prst="leftBrace">
@@ -4915,102 +4948,34 @@
           </a:p>
         </p:txBody>
       </p:sp>
-      <p:sp>
-        <p:nvSpPr>
-          <p:cNvPr id="19" name="Rectangle 18">
+      <p:cxnSp>
+        <p:nvCxnSpPr>
+          <p:cNvPr id="23" name="Straight Arrow Connector 22">
             <a:extLst>
               <a:ext uri="{FF2B5EF4-FFF2-40B4-BE49-F238E27FC236}">
-                <a16:creationId xmlns:a16="http://schemas.microsoft.com/office/drawing/2014/main" id="{E4F2CD7E-D962-7C40-AA13-DC3992CEAFE0}"/>
+                <a16:creationId xmlns:a16="http://schemas.microsoft.com/office/drawing/2014/main" id="{7F8787FD-F267-FC44-AC09-8FA3CDE589A0}"/>
               </a:ext>
             </a:extLst>
           </p:cNvPr>
-          <p:cNvSpPr/>
+          <p:cNvCxnSpPr>
+            <a:cxnSpLocks/>
+          </p:cNvCxnSpPr>
           <p:nvPr/>
-        </p:nvSpPr>
-        <p:spPr>
-          <a:xfrm rot="16200000">
-            <a:off x="-1913092" y="3621853"/>
-            <a:ext cx="5309467" cy="461665"/>
-          </a:xfrm>
-          <a:prstGeom prst="rect">
+        </p:nvCxnSpPr>
+        <p:spPr>
+          <a:xfrm flipH="1">
+            <a:off x="7325009" y="1476592"/>
+            <a:ext cx="185122" cy="604881"/>
+          </a:xfrm>
+          <a:prstGeom prst="straightConnector1">
             <a:avLst/>
           </a:prstGeom>
-        </p:spPr>
-        <p:txBody>
-          <a:bodyPr wrap="none">
-            <a:spAutoFit/>
-          </a:bodyPr>
-          <a:lstStyle/>
-          <a:p>
-            <a:r>
-              <a:rPr lang="en-US" sz="2400">
-                <a:latin typeface="Swell Braille" pitchFamily="49"/>
-              </a:rPr>
-              <a:t>⠉⠕⠝⠞⠊⠝⠑⠝⠞⠁⠇⠀⠇⠊⠞⠓⠕⠎⠏⠓⠑⠗⠑</a:t>
-            </a:r>
-          </a:p>
-        </p:txBody>
-      </p:sp>
-      <p:sp>
-        <p:nvSpPr>
-          <p:cNvPr id="20" name="Rectangle 19">
-            <a:extLst>
-              <a:ext uri="{FF2B5EF4-FFF2-40B4-BE49-F238E27FC236}">
-                <a16:creationId xmlns:a16="http://schemas.microsoft.com/office/drawing/2014/main" id="{E9AAF3DF-914B-024A-B260-8DEBF7B9EA60}"/>
-              </a:ext>
-            </a:extLst>
-          </p:cNvPr>
-          <p:cNvSpPr/>
-          <p:nvPr/>
-        </p:nvSpPr>
-        <p:spPr>
-          <a:xfrm rot="5400000">
-            <a:off x="6396731" y="4104169"/>
-            <a:ext cx="4418197" cy="461665"/>
-          </a:xfrm>
-          <a:prstGeom prst="rect">
-            <a:avLst/>
-          </a:prstGeom>
-        </p:spPr>
-        <p:txBody>
-          <a:bodyPr wrap="none">
-            <a:spAutoFit/>
-          </a:bodyPr>
-          <a:lstStyle/>
-          <a:p>
-            <a:r>
-              <a:rPr lang="en-US" sz="2400">
-                <a:latin typeface="Swell Braille" pitchFamily="49"/>
-              </a:rPr>
-              <a:t>⠕⠉⠑⠁⠝⠊⠉⠀⠇⠊⠞⠓⠕⠎⠏⠓⠑⠗⠑</a:t>
-            </a:r>
-          </a:p>
-        </p:txBody>
-      </p:sp>
-      <p:cxnSp>
-        <p:nvCxnSpPr>
-          <p:cNvPr id="21" name="Straight Connector 20">
-            <a:extLst>
-              <a:ext uri="{FF2B5EF4-FFF2-40B4-BE49-F238E27FC236}">
-                <a16:creationId xmlns:a16="http://schemas.microsoft.com/office/drawing/2014/main" id="{CDB1A61E-A8F2-D941-817C-7839DC681B9D}"/>
-              </a:ext>
-            </a:extLst>
-          </p:cNvPr>
-          <p:cNvCxnSpPr/>
-          <p:nvPr/>
-        </p:nvCxnSpPr>
-        <p:spPr>
-          <a:xfrm>
-            <a:off x="6762307" y="2466753"/>
-            <a:ext cx="0" cy="393405"/>
-          </a:xfrm>
-          <a:prstGeom prst="line">
-            <a:avLst/>
-          </a:prstGeom>
-          <a:ln w="28575">
+          <a:ln w="22225">
             <a:solidFill>
               <a:schemeClr val="tx1"/>
             </a:solidFill>
+            <a:headEnd type="none" w="lg" len="lg"/>
+            <a:tailEnd type="triangle" w="lg" len="lg"/>
           </a:ln>
         </p:spPr>
         <p:style>
@@ -5028,357 +4993,333 @@
           </a:fontRef>
         </p:style>
       </p:cxnSp>
-      <p:sp>
-        <p:nvSpPr>
-          <p:cNvPr id="22" name="Rectangle 21">
+      <p:grpSp>
+        <p:nvGrpSpPr>
+          <p:cNvPr id="5" name="Group 4">
             <a:extLst>
               <a:ext uri="{FF2B5EF4-FFF2-40B4-BE49-F238E27FC236}">
-                <a16:creationId xmlns:a16="http://schemas.microsoft.com/office/drawing/2014/main" id="{560D175F-5D07-A642-9B01-8FE0CB249D6A}"/>
+                <a16:creationId xmlns:a16="http://schemas.microsoft.com/office/drawing/2014/main" id="{E3FF4BD2-ACB0-4C97-B5F3-50C2CA53284D}"/>
               </a:ext>
             </a:extLst>
           </p:cNvPr>
-          <p:cNvSpPr/>
+          <p:cNvGrpSpPr/>
           <p:nvPr/>
-        </p:nvSpPr>
-        <p:spPr>
-          <a:xfrm>
-            <a:off x="6741042" y="2456121"/>
-            <a:ext cx="1148316" cy="382772"/>
-          </a:xfrm>
-          <a:prstGeom prst="rect">
-            <a:avLst/>
-          </a:prstGeom>
-          <a:solidFill>
-            <a:schemeClr val="bg1"/>
-          </a:solidFill>
-          <a:ln w="28575">
+        </p:nvGrpSpPr>
+        <p:grpSpPr>
+          <a:xfrm>
+            <a:off x="6520031" y="2123859"/>
+            <a:ext cx="1188375" cy="421761"/>
+            <a:chOff x="6741042" y="2178338"/>
+            <a:chExt cx="1148316" cy="425302"/>
+          </a:xfrm>
+        </p:grpSpPr>
+        <p:sp>
+          <p:nvSpPr>
+            <p:cNvPr id="22" name="Rectangle 21">
+              <a:extLst>
+                <a:ext uri="{FF2B5EF4-FFF2-40B4-BE49-F238E27FC236}">
+                  <a16:creationId xmlns:a16="http://schemas.microsoft.com/office/drawing/2014/main" id="{560D175F-5D07-A642-9B01-8FE0CB249D6A}"/>
+                </a:ext>
+              </a:extLst>
+            </p:cNvPr>
+            <p:cNvSpPr/>
+            <p:nvPr/>
+          </p:nvSpPr>
+          <p:spPr>
+            <a:xfrm>
+              <a:off x="6741042" y="2196062"/>
+              <a:ext cx="1148316" cy="382772"/>
+            </a:xfrm>
+            <a:prstGeom prst="rect">
+              <a:avLst/>
+            </a:prstGeom>
             <a:solidFill>
+              <a:schemeClr val="bg1"/>
+            </a:solidFill>
+            <a:ln w="28575">
+              <a:solidFill>
+                <a:schemeClr val="tx1"/>
+              </a:solidFill>
+            </a:ln>
+          </p:spPr>
+          <p:style>
+            <a:lnRef idx="2">
+              <a:schemeClr val="accent1">
+                <a:shade val="50000"/>
+              </a:schemeClr>
+            </a:lnRef>
+            <a:fillRef idx="1">
+              <a:schemeClr val="accent1"/>
+            </a:fillRef>
+            <a:effectRef idx="0">
+              <a:schemeClr val="accent1"/>
+            </a:effectRef>
+            <a:fontRef idx="minor">
+              <a:schemeClr val="lt1"/>
+            </a:fontRef>
+          </p:style>
+          <p:txBody>
+            <a:bodyPr rtlCol="0" anchor="ctr"/>
+            <a:lstStyle/>
+            <a:p>
+              <a:pPr algn="ctr"/>
+              <a:endParaRPr lang="en-US"/>
+            </a:p>
+          </p:txBody>
+        </p:sp>
+        <p:cxnSp>
+          <p:nvCxnSpPr>
+            <p:cNvPr id="24" name="Straight Connector 23">
+              <a:extLst>
+                <a:ext uri="{FF2B5EF4-FFF2-40B4-BE49-F238E27FC236}">
+                  <a16:creationId xmlns:a16="http://schemas.microsoft.com/office/drawing/2014/main" id="{82C33FA9-5287-6C44-9ADA-EFA55DF133F3}"/>
+                </a:ext>
+              </a:extLst>
+            </p:cNvPr>
+            <p:cNvCxnSpPr/>
+            <p:nvPr/>
+          </p:nvCxnSpPr>
+          <p:spPr>
+            <a:xfrm>
+              <a:off x="6911163" y="2185429"/>
+              <a:ext cx="0" cy="414670"/>
+            </a:xfrm>
+            <a:prstGeom prst="line">
+              <a:avLst/>
+            </a:prstGeom>
+            <a:ln w="25400">
+              <a:solidFill>
+                <a:schemeClr val="tx1"/>
+              </a:solidFill>
+            </a:ln>
+          </p:spPr>
+          <p:style>
+            <a:lnRef idx="1">
+              <a:schemeClr val="accent1"/>
+            </a:lnRef>
+            <a:fillRef idx="0">
+              <a:schemeClr val="accent1"/>
+            </a:fillRef>
+            <a:effectRef idx="0">
+              <a:schemeClr val="accent1"/>
+            </a:effectRef>
+            <a:fontRef idx="minor">
               <a:schemeClr val="tx1"/>
-            </a:solidFill>
-          </a:ln>
-        </p:spPr>
-        <p:style>
-          <a:lnRef idx="2">
-            <a:schemeClr val="accent1">
-              <a:shade val="50000"/>
-            </a:schemeClr>
-          </a:lnRef>
-          <a:fillRef idx="1">
-            <a:schemeClr val="accent1"/>
-          </a:fillRef>
-          <a:effectRef idx="0">
-            <a:schemeClr val="accent1"/>
-          </a:effectRef>
-          <a:fontRef idx="minor">
-            <a:schemeClr val="lt1"/>
-          </a:fontRef>
-        </p:style>
-        <p:txBody>
-          <a:bodyPr rtlCol="0" anchor="ctr"/>
-          <a:lstStyle/>
-          <a:p>
-            <a:pPr algn="ctr"/>
-            <a:endParaRPr lang="en-US"/>
-          </a:p>
-        </p:txBody>
-      </p:sp>
-      <p:cxnSp>
-        <p:nvCxnSpPr>
-          <p:cNvPr id="23" name="Straight Arrow Connector 22">
-            <a:extLst>
-              <a:ext uri="{FF2B5EF4-FFF2-40B4-BE49-F238E27FC236}">
-                <a16:creationId xmlns:a16="http://schemas.microsoft.com/office/drawing/2014/main" id="{7F8787FD-F267-FC44-AC09-8FA3CDE589A0}"/>
-              </a:ext>
-            </a:extLst>
-          </p:cNvPr>
-          <p:cNvCxnSpPr>
-            <a:cxnSpLocks/>
-          </p:cNvCxnSpPr>
-          <p:nvPr/>
-        </p:nvCxnSpPr>
-        <p:spPr>
-          <a:xfrm flipH="1">
-            <a:off x="7325833" y="1736651"/>
-            <a:ext cx="184297" cy="698205"/>
-          </a:xfrm>
-          <a:prstGeom prst="straightConnector1">
-            <a:avLst/>
-          </a:prstGeom>
-          <a:ln w="22225">
-            <a:solidFill>
+            </a:fontRef>
+          </p:style>
+        </p:cxnSp>
+        <p:cxnSp>
+          <p:nvCxnSpPr>
+            <p:cNvPr id="25" name="Straight Connector 24">
+              <a:extLst>
+                <a:ext uri="{FF2B5EF4-FFF2-40B4-BE49-F238E27FC236}">
+                  <a16:creationId xmlns:a16="http://schemas.microsoft.com/office/drawing/2014/main" id="{628C0483-0216-024E-A3D9-EFE91482A8D0}"/>
+                </a:ext>
+              </a:extLst>
+            </p:cNvPr>
+            <p:cNvCxnSpPr>
+              <a:cxnSpLocks/>
+            </p:cNvCxnSpPr>
+            <p:nvPr/>
+          </p:nvCxnSpPr>
+          <p:spPr>
+            <a:xfrm>
+              <a:off x="7084829" y="2199601"/>
+              <a:ext cx="0" cy="400498"/>
+            </a:xfrm>
+            <a:prstGeom prst="line">
+              <a:avLst/>
+            </a:prstGeom>
+            <a:ln w="25400">
+              <a:solidFill>
+                <a:schemeClr val="tx1"/>
+              </a:solidFill>
+            </a:ln>
+          </p:spPr>
+          <p:style>
+            <a:lnRef idx="1">
+              <a:schemeClr val="accent1"/>
+            </a:lnRef>
+            <a:fillRef idx="0">
+              <a:schemeClr val="accent1"/>
+            </a:fillRef>
+            <a:effectRef idx="0">
+              <a:schemeClr val="accent1"/>
+            </a:effectRef>
+            <a:fontRef idx="minor">
               <a:schemeClr val="tx1"/>
-            </a:solidFill>
-            <a:headEnd type="none" w="lg" len="lg"/>
-            <a:tailEnd type="triangle" w="lg" len="lg"/>
-          </a:ln>
-        </p:spPr>
-        <p:style>
-          <a:lnRef idx="1">
-            <a:schemeClr val="accent1"/>
-          </a:lnRef>
-          <a:fillRef idx="0">
-            <a:schemeClr val="accent1"/>
-          </a:fillRef>
-          <a:effectRef idx="0">
-            <a:schemeClr val="accent1"/>
-          </a:effectRef>
-          <a:fontRef idx="minor">
-            <a:schemeClr val="tx1"/>
-          </a:fontRef>
-        </p:style>
-      </p:cxnSp>
-      <p:cxnSp>
-        <p:nvCxnSpPr>
-          <p:cNvPr id="24" name="Straight Connector 23">
-            <a:extLst>
-              <a:ext uri="{FF2B5EF4-FFF2-40B4-BE49-F238E27FC236}">
-                <a16:creationId xmlns:a16="http://schemas.microsoft.com/office/drawing/2014/main" id="{82C33FA9-5287-6C44-9ADA-EFA55DF133F3}"/>
-              </a:ext>
-            </a:extLst>
-          </p:cNvPr>
-          <p:cNvCxnSpPr/>
-          <p:nvPr/>
-        </p:nvCxnSpPr>
-        <p:spPr>
-          <a:xfrm>
-            <a:off x="6911163" y="2445488"/>
-            <a:ext cx="0" cy="414670"/>
-          </a:xfrm>
-          <a:prstGeom prst="line">
-            <a:avLst/>
-          </a:prstGeom>
-          <a:ln w="25400">
-            <a:solidFill>
+            </a:fontRef>
+          </p:style>
+        </p:cxnSp>
+        <p:cxnSp>
+          <p:nvCxnSpPr>
+            <p:cNvPr id="26" name="Straight Connector 25">
+              <a:extLst>
+                <a:ext uri="{FF2B5EF4-FFF2-40B4-BE49-F238E27FC236}">
+                  <a16:creationId xmlns:a16="http://schemas.microsoft.com/office/drawing/2014/main" id="{5B727E08-83B2-7A4C-A382-21BC6A88937F}"/>
+                </a:ext>
+              </a:extLst>
+            </p:cNvPr>
+            <p:cNvCxnSpPr>
+              <a:cxnSpLocks/>
+            </p:cNvCxnSpPr>
+            <p:nvPr/>
+          </p:nvCxnSpPr>
+          <p:spPr>
+            <a:xfrm>
+              <a:off x="7265578" y="2199602"/>
+              <a:ext cx="0" cy="379232"/>
+            </a:xfrm>
+            <a:prstGeom prst="line">
+              <a:avLst/>
+            </a:prstGeom>
+            <a:ln w="25400">
+              <a:solidFill>
+                <a:schemeClr val="tx1"/>
+              </a:solidFill>
+            </a:ln>
+          </p:spPr>
+          <p:style>
+            <a:lnRef idx="1">
+              <a:schemeClr val="accent1"/>
+            </a:lnRef>
+            <a:fillRef idx="0">
+              <a:schemeClr val="accent1"/>
+            </a:fillRef>
+            <a:effectRef idx="0">
+              <a:schemeClr val="accent1"/>
+            </a:effectRef>
+            <a:fontRef idx="minor">
               <a:schemeClr val="tx1"/>
-            </a:solidFill>
-          </a:ln>
-        </p:spPr>
-        <p:style>
-          <a:lnRef idx="1">
-            <a:schemeClr val="accent1"/>
-          </a:lnRef>
-          <a:fillRef idx="0">
-            <a:schemeClr val="accent1"/>
-          </a:fillRef>
-          <a:effectRef idx="0">
-            <a:schemeClr val="accent1"/>
-          </a:effectRef>
-          <a:fontRef idx="minor">
-            <a:schemeClr val="tx1"/>
-          </a:fontRef>
-        </p:style>
-      </p:cxnSp>
-      <p:cxnSp>
-        <p:nvCxnSpPr>
-          <p:cNvPr id="25" name="Straight Connector 24">
-            <a:extLst>
-              <a:ext uri="{FF2B5EF4-FFF2-40B4-BE49-F238E27FC236}">
-                <a16:creationId xmlns:a16="http://schemas.microsoft.com/office/drawing/2014/main" id="{628C0483-0216-024E-A3D9-EFE91482A8D0}"/>
-              </a:ext>
-            </a:extLst>
-          </p:cNvPr>
-          <p:cNvCxnSpPr>
-            <a:cxnSpLocks/>
-          </p:cNvCxnSpPr>
-          <p:nvPr/>
-        </p:nvCxnSpPr>
-        <p:spPr>
-          <a:xfrm>
-            <a:off x="7084829" y="2459660"/>
-            <a:ext cx="0" cy="400498"/>
-          </a:xfrm>
-          <a:prstGeom prst="line">
-            <a:avLst/>
-          </a:prstGeom>
-          <a:ln w="25400">
-            <a:solidFill>
+            </a:fontRef>
+          </p:style>
+        </p:cxnSp>
+        <p:cxnSp>
+          <p:nvCxnSpPr>
+            <p:cNvPr id="27" name="Straight Connector 26">
+              <a:extLst>
+                <a:ext uri="{FF2B5EF4-FFF2-40B4-BE49-F238E27FC236}">
+                  <a16:creationId xmlns:a16="http://schemas.microsoft.com/office/drawing/2014/main" id="{A53B3867-2BDB-CF43-BBAD-EDE5BE393CEB}"/>
+                </a:ext>
+              </a:extLst>
+            </p:cNvPr>
+            <p:cNvCxnSpPr/>
+            <p:nvPr/>
+          </p:nvCxnSpPr>
+          <p:spPr>
+            <a:xfrm>
+              <a:off x="7435698" y="2178338"/>
+              <a:ext cx="0" cy="414670"/>
+            </a:xfrm>
+            <a:prstGeom prst="line">
+              <a:avLst/>
+            </a:prstGeom>
+            <a:ln w="25400">
+              <a:solidFill>
+                <a:schemeClr val="tx1"/>
+              </a:solidFill>
+            </a:ln>
+          </p:spPr>
+          <p:style>
+            <a:lnRef idx="1">
+              <a:schemeClr val="accent1"/>
+            </a:lnRef>
+            <a:fillRef idx="0">
+              <a:schemeClr val="accent1"/>
+            </a:fillRef>
+            <a:effectRef idx="0">
+              <a:schemeClr val="accent1"/>
+            </a:effectRef>
+            <a:fontRef idx="minor">
               <a:schemeClr val="tx1"/>
-            </a:solidFill>
-          </a:ln>
-        </p:spPr>
-        <p:style>
-          <a:lnRef idx="1">
-            <a:schemeClr val="accent1"/>
-          </a:lnRef>
-          <a:fillRef idx="0">
-            <a:schemeClr val="accent1"/>
-          </a:fillRef>
-          <a:effectRef idx="0">
-            <a:schemeClr val="accent1"/>
-          </a:effectRef>
-          <a:fontRef idx="minor">
-            <a:schemeClr val="tx1"/>
-          </a:fontRef>
-        </p:style>
-      </p:cxnSp>
-      <p:cxnSp>
-        <p:nvCxnSpPr>
-          <p:cNvPr id="26" name="Straight Connector 25">
-            <a:extLst>
-              <a:ext uri="{FF2B5EF4-FFF2-40B4-BE49-F238E27FC236}">
-                <a16:creationId xmlns:a16="http://schemas.microsoft.com/office/drawing/2014/main" id="{5B727E08-83B2-7A4C-A382-21BC6A88937F}"/>
-              </a:ext>
-            </a:extLst>
-          </p:cNvPr>
-          <p:cNvCxnSpPr>
-            <a:cxnSpLocks/>
-          </p:cNvCxnSpPr>
-          <p:nvPr/>
-        </p:nvCxnSpPr>
-        <p:spPr>
-          <a:xfrm>
-            <a:off x="7265578" y="2459661"/>
-            <a:ext cx="0" cy="379232"/>
-          </a:xfrm>
-          <a:prstGeom prst="line">
-            <a:avLst/>
-          </a:prstGeom>
-          <a:ln w="25400">
-            <a:solidFill>
+            </a:fontRef>
+          </p:style>
+        </p:cxnSp>
+        <p:cxnSp>
+          <p:nvCxnSpPr>
+            <p:cNvPr id="29" name="Straight Connector 28">
+              <a:extLst>
+                <a:ext uri="{FF2B5EF4-FFF2-40B4-BE49-F238E27FC236}">
+                  <a16:creationId xmlns:a16="http://schemas.microsoft.com/office/drawing/2014/main" id="{88C0634F-0176-6C42-9A86-4DD5B2A5B57A}"/>
+                </a:ext>
+              </a:extLst>
+            </p:cNvPr>
+            <p:cNvCxnSpPr>
+              <a:cxnSpLocks/>
+            </p:cNvCxnSpPr>
+            <p:nvPr/>
+          </p:nvCxnSpPr>
+          <p:spPr>
+            <a:xfrm>
+              <a:off x="7609364" y="2192510"/>
+              <a:ext cx="0" cy="396957"/>
+            </a:xfrm>
+            <a:prstGeom prst="line">
+              <a:avLst/>
+            </a:prstGeom>
+            <a:ln w="25400">
+              <a:solidFill>
+                <a:schemeClr val="tx1"/>
+              </a:solidFill>
+            </a:ln>
+          </p:spPr>
+          <p:style>
+            <a:lnRef idx="1">
+              <a:schemeClr val="accent1"/>
+            </a:lnRef>
+            <a:fillRef idx="0">
+              <a:schemeClr val="accent1"/>
+            </a:fillRef>
+            <a:effectRef idx="0">
+              <a:schemeClr val="accent1"/>
+            </a:effectRef>
+            <a:fontRef idx="minor">
               <a:schemeClr val="tx1"/>
-            </a:solidFill>
-          </a:ln>
-        </p:spPr>
-        <p:style>
-          <a:lnRef idx="1">
-            <a:schemeClr val="accent1"/>
-          </a:lnRef>
-          <a:fillRef idx="0">
-            <a:schemeClr val="accent1"/>
-          </a:fillRef>
-          <a:effectRef idx="0">
-            <a:schemeClr val="accent1"/>
-          </a:effectRef>
-          <a:fontRef idx="minor">
-            <a:schemeClr val="tx1"/>
-          </a:fontRef>
-        </p:style>
-      </p:cxnSp>
-      <p:cxnSp>
-        <p:nvCxnSpPr>
-          <p:cNvPr id="27" name="Straight Connector 26">
-            <a:extLst>
-              <a:ext uri="{FF2B5EF4-FFF2-40B4-BE49-F238E27FC236}">
-                <a16:creationId xmlns:a16="http://schemas.microsoft.com/office/drawing/2014/main" id="{A53B3867-2BDB-CF43-BBAD-EDE5BE393CEB}"/>
-              </a:ext>
-            </a:extLst>
-          </p:cNvPr>
-          <p:cNvCxnSpPr/>
-          <p:nvPr/>
-        </p:nvCxnSpPr>
-        <p:spPr>
-          <a:xfrm>
-            <a:off x="7435698" y="2438397"/>
-            <a:ext cx="0" cy="414670"/>
-          </a:xfrm>
-          <a:prstGeom prst="line">
-            <a:avLst/>
-          </a:prstGeom>
-          <a:ln w="25400">
-            <a:solidFill>
+            </a:fontRef>
+          </p:style>
+        </p:cxnSp>
+        <p:cxnSp>
+          <p:nvCxnSpPr>
+            <p:cNvPr id="30" name="Straight Connector 29">
+              <a:extLst>
+                <a:ext uri="{FF2B5EF4-FFF2-40B4-BE49-F238E27FC236}">
+                  <a16:creationId xmlns:a16="http://schemas.microsoft.com/office/drawing/2014/main" id="{857A6B72-2279-2941-866A-578612A8F122}"/>
+                </a:ext>
+              </a:extLst>
+            </p:cNvPr>
+            <p:cNvCxnSpPr/>
+            <p:nvPr/>
+          </p:nvCxnSpPr>
+          <p:spPr>
+            <a:xfrm>
+              <a:off x="7765317" y="2188970"/>
+              <a:ext cx="0" cy="414670"/>
+            </a:xfrm>
+            <a:prstGeom prst="line">
+              <a:avLst/>
+            </a:prstGeom>
+            <a:ln w="25400">
+              <a:solidFill>
+                <a:schemeClr val="tx1"/>
+              </a:solidFill>
+            </a:ln>
+          </p:spPr>
+          <p:style>
+            <a:lnRef idx="1">
+              <a:schemeClr val="accent1"/>
+            </a:lnRef>
+            <a:fillRef idx="0">
+              <a:schemeClr val="accent1"/>
+            </a:fillRef>
+            <a:effectRef idx="0">
+              <a:schemeClr val="accent1"/>
+            </a:effectRef>
+            <a:fontRef idx="minor">
               <a:schemeClr val="tx1"/>
-            </a:solidFill>
-          </a:ln>
-        </p:spPr>
-        <p:style>
-          <a:lnRef idx="1">
-            <a:schemeClr val="accent1"/>
-          </a:lnRef>
-          <a:fillRef idx="0">
-            <a:schemeClr val="accent1"/>
-          </a:fillRef>
-          <a:effectRef idx="0">
-            <a:schemeClr val="accent1"/>
-          </a:effectRef>
-          <a:fontRef idx="minor">
-            <a:schemeClr val="tx1"/>
-          </a:fontRef>
-        </p:style>
-      </p:cxnSp>
-      <p:cxnSp>
-        <p:nvCxnSpPr>
-          <p:cNvPr id="29" name="Straight Connector 28">
-            <a:extLst>
-              <a:ext uri="{FF2B5EF4-FFF2-40B4-BE49-F238E27FC236}">
-                <a16:creationId xmlns:a16="http://schemas.microsoft.com/office/drawing/2014/main" id="{88C0634F-0176-6C42-9A86-4DD5B2A5B57A}"/>
-              </a:ext>
-            </a:extLst>
-          </p:cNvPr>
-          <p:cNvCxnSpPr>
-            <a:cxnSpLocks/>
-          </p:cNvCxnSpPr>
-          <p:nvPr/>
-        </p:nvCxnSpPr>
-        <p:spPr>
-          <a:xfrm>
-            <a:off x="7609364" y="2452569"/>
-            <a:ext cx="0" cy="396957"/>
-          </a:xfrm>
-          <a:prstGeom prst="line">
-            <a:avLst/>
-          </a:prstGeom>
-          <a:ln w="25400">
-            <a:solidFill>
-              <a:schemeClr val="tx1"/>
-            </a:solidFill>
-          </a:ln>
-        </p:spPr>
-        <p:style>
-          <a:lnRef idx="1">
-            <a:schemeClr val="accent1"/>
-          </a:lnRef>
-          <a:fillRef idx="0">
-            <a:schemeClr val="accent1"/>
-          </a:fillRef>
-          <a:effectRef idx="0">
-            <a:schemeClr val="accent1"/>
-          </a:effectRef>
-          <a:fontRef idx="minor">
-            <a:schemeClr val="tx1"/>
-          </a:fontRef>
-        </p:style>
-      </p:cxnSp>
-      <p:cxnSp>
-        <p:nvCxnSpPr>
-          <p:cNvPr id="30" name="Straight Connector 29">
-            <a:extLst>
-              <a:ext uri="{FF2B5EF4-FFF2-40B4-BE49-F238E27FC236}">
-                <a16:creationId xmlns:a16="http://schemas.microsoft.com/office/drawing/2014/main" id="{857A6B72-2279-2941-866A-578612A8F122}"/>
-              </a:ext>
-            </a:extLst>
-          </p:cNvPr>
-          <p:cNvCxnSpPr/>
-          <p:nvPr/>
-        </p:nvCxnSpPr>
-        <p:spPr>
-          <a:xfrm>
-            <a:off x="7765317" y="2449029"/>
-            <a:ext cx="0" cy="414670"/>
-          </a:xfrm>
-          <a:prstGeom prst="line">
-            <a:avLst/>
-          </a:prstGeom>
-          <a:ln w="25400">
-            <a:solidFill>
-              <a:schemeClr val="tx1"/>
-            </a:solidFill>
-          </a:ln>
-        </p:spPr>
-        <p:style>
-          <a:lnRef idx="1">
-            <a:schemeClr val="accent1"/>
-          </a:lnRef>
-          <a:fillRef idx="0">
-            <a:schemeClr val="accent1"/>
-          </a:fillRef>
-          <a:effectRef idx="0">
-            <a:schemeClr val="accent1"/>
-          </a:effectRef>
-          <a:fontRef idx="minor">
-            <a:schemeClr val="tx1"/>
-          </a:fontRef>
-        </p:style>
-      </p:cxnSp>
+            </a:fontRef>
+          </p:style>
+        </p:cxnSp>
+      </p:grpSp>
       <p:sp>
         <p:nvSpPr>
           <p:cNvPr id="2" name="Rectangle 1">
@@ -5393,7 +5334,7 @@
         </p:nvSpPr>
         <p:spPr>
           <a:xfrm>
-            <a:off x="3013324" y="5829578"/>
+            <a:off x="3459150" y="5377815"/>
             <a:ext cx="5033750" cy="461665"/>
           </a:xfrm>
           <a:prstGeom prst="rect">
@@ -5407,10 +5348,170 @@
           <a:lstStyle/>
           <a:p>
             <a:r>
-              <a:rPr lang="en-US" sz="2400">
+              <a:rPr lang="en-US" sz="2400" dirty="0">
                 <a:latin typeface="Swell Braille" pitchFamily="49"/>
               </a:rPr>
-              <a:t>⠁⠎⠞⠓⠑⠝⠕⠎⠏⠓⠑⠗⠊⠉⠀⠍⠁⠝⠞⠇⠑</a:t>
+              <a:t>⠁⠎!⠝⠕⠎⠏⠓]⠊⠉⠀⠍⠁⠝⠞⠇⠑</a:t>
+            </a:r>
+          </a:p>
+        </p:txBody>
+      </p:sp>
+      <p:sp>
+        <p:nvSpPr>
+          <p:cNvPr id="28" name="TextBox 27">
+            <a:extLst>
+              <a:ext uri="{FF2B5EF4-FFF2-40B4-BE49-F238E27FC236}">
+                <a16:creationId xmlns:a16="http://schemas.microsoft.com/office/drawing/2014/main" id="{109BA528-E643-4F70-AAB6-3772681BF67B}"/>
+              </a:ext>
+            </a:extLst>
+          </p:cNvPr>
+          <p:cNvSpPr txBox="1"/>
+          <p:nvPr/>
+        </p:nvSpPr>
+        <p:spPr>
+          <a:xfrm>
+            <a:off x="392383" y="3439872"/>
+            <a:ext cx="743055" cy="461665"/>
+          </a:xfrm>
+          <a:prstGeom prst="rect">
+            <a:avLst/>
+          </a:prstGeom>
+          <a:noFill/>
+        </p:spPr>
+        <p:txBody>
+          <a:bodyPr wrap="square">
+            <a:spAutoFit/>
+          </a:bodyPr>
+          <a:lstStyle/>
+          <a:p>
+            <a:r>
+              <a:rPr lang="en-US" sz="2400" dirty="0">
+                <a:latin typeface="Swell Braille" panose="01010609060101010103" pitchFamily="49" charset="0"/>
+              </a:rPr>
+              <a:t>cl</a:t>
+            </a:r>
+          </a:p>
+        </p:txBody>
+      </p:sp>
+      <p:sp>
+        <p:nvSpPr>
+          <p:cNvPr id="31" name="TextBox 30">
+            <a:extLst>
+              <a:ext uri="{FF2B5EF4-FFF2-40B4-BE49-F238E27FC236}">
+                <a16:creationId xmlns:a16="http://schemas.microsoft.com/office/drawing/2014/main" id="{B75A893C-E1B7-48D9-94D5-EE27E915250C}"/>
+              </a:ext>
+            </a:extLst>
+          </p:cNvPr>
+          <p:cNvSpPr txBox="1"/>
+          <p:nvPr/>
+        </p:nvSpPr>
+        <p:spPr>
+          <a:xfrm>
+            <a:off x="8265271" y="3102780"/>
+            <a:ext cx="816554" cy="461665"/>
+          </a:xfrm>
+          <a:prstGeom prst="rect">
+            <a:avLst/>
+          </a:prstGeom>
+          <a:noFill/>
+        </p:spPr>
+        <p:txBody>
+          <a:bodyPr wrap="square">
+            <a:spAutoFit/>
+          </a:bodyPr>
+          <a:lstStyle/>
+          <a:p>
+            <a:r>
+              <a:rPr lang="en-US" sz="2400" dirty="0" err="1">
+                <a:latin typeface="Swell Braille" panose="01010609060101010103" pitchFamily="49" charset="0"/>
+              </a:rPr>
+              <a:t>ol</a:t>
+            </a:r>
+            <a:endParaRPr lang="en-US" sz="2400" dirty="0">
+              <a:latin typeface="Swell Braille" panose="01010609060101010103" pitchFamily="49" charset="0"/>
+            </a:endParaRPr>
+          </a:p>
+        </p:txBody>
+      </p:sp>
+      <p:sp>
+        <p:nvSpPr>
+          <p:cNvPr id="4" name="TextBox 3">
+            <a:extLst>
+              <a:ext uri="{FF2B5EF4-FFF2-40B4-BE49-F238E27FC236}">
+                <a16:creationId xmlns:a16="http://schemas.microsoft.com/office/drawing/2014/main" id="{5429DAA6-E7C5-4263-A5AA-F9805F254860}"/>
+              </a:ext>
+            </a:extLst>
+          </p:cNvPr>
+          <p:cNvSpPr txBox="1"/>
+          <p:nvPr/>
+        </p:nvSpPr>
+        <p:spPr>
+          <a:xfrm>
+            <a:off x="392383" y="5994226"/>
+            <a:ext cx="7692032" cy="1200329"/>
+          </a:xfrm>
+          <a:prstGeom prst="rect">
+            <a:avLst/>
+          </a:prstGeom>
+          <a:noFill/>
+        </p:spPr>
+        <p:txBody>
+          <a:bodyPr wrap="square" rtlCol="0">
+            <a:spAutoFit/>
+          </a:bodyPr>
+          <a:lstStyle/>
+          <a:p>
+            <a:r>
+              <a:rPr lang="en-US" sz="2400" dirty="0">
+                <a:latin typeface="Swell Braille" panose="01010609060101010103" pitchFamily="49" charset="0"/>
+              </a:rPr>
+              <a:t>,key- cl 3t59tal </a:t>
+            </a:r>
+            <a:r>
+              <a:rPr lang="en-US" sz="2400" dirty="0" err="1">
+                <a:latin typeface="Swell Braille" panose="01010609060101010103" pitchFamily="49" charset="0"/>
+              </a:rPr>
+              <a:t>li?osp"h</a:t>
+            </a:r>
+            <a:endParaRPr lang="en-US" sz="2400" dirty="0">
+              <a:latin typeface="Swell Braille" panose="01010609060101010103" pitchFamily="49" charset="0"/>
+            </a:endParaRPr>
+          </a:p>
+          <a:p>
+            <a:r>
+              <a:rPr lang="en-US" sz="2400" dirty="0">
+                <a:latin typeface="Swell Braille" panose="01010609060101010103" pitchFamily="49" charset="0"/>
+              </a:rPr>
+              <a:t>      </a:t>
+            </a:r>
+            <a:r>
+              <a:rPr lang="en-US" sz="2400" dirty="0" err="1">
+                <a:latin typeface="Swell Braille" panose="01010609060101010103" pitchFamily="49" charset="0"/>
+              </a:rPr>
+              <a:t>ol</a:t>
+            </a:r>
+            <a:r>
+              <a:rPr lang="en-US" sz="2400" dirty="0">
+                <a:latin typeface="Swell Braille" panose="01010609060101010103" pitchFamily="49" charset="0"/>
+              </a:rPr>
+              <a:t> oc1nic </a:t>
+            </a:r>
+            <a:r>
+              <a:rPr lang="en-US" sz="2400" dirty="0" err="1">
+                <a:latin typeface="Swell Braille" panose="01010609060101010103" pitchFamily="49" charset="0"/>
+              </a:rPr>
+              <a:t>li?osp"h</a:t>
+            </a:r>
+            <a:endParaRPr lang="en-US" sz="2400" dirty="0">
+              <a:latin typeface="Swell Braille" panose="01010609060101010103" pitchFamily="49" charset="0"/>
+            </a:endParaRPr>
+          </a:p>
+          <a:p>
+            <a:r>
+              <a:rPr lang="en-US" sz="2400" dirty="0">
+                <a:latin typeface="Swell Braille" panose="01010609060101010103" pitchFamily="49" charset="0"/>
+              </a:rPr>
+              <a:t>  </a:t>
             </a:r>
           </a:p>
         </p:txBody>
